--- a/MonadsOfDoomArrowsOfTime.pptx
+++ b/MonadsOfDoomArrowsOfTime.pptx
@@ -1,19 +1,24 @@
 
 <file path=ppt/presentation.xml><?xml version="1.0" encoding="utf-8"?>
-<p:presentation xmlns:a="http://schemas.openxmlformats.org/drawingml/2006/main" xmlns:r="http://schemas.openxmlformats.org/officeDocument/2006/relationships" xmlns:mc="http://schemas.openxmlformats.org/markup-compatibility/2006" xmlns:mv="urn:schemas-microsoft-com:mac:vml" xmlns:p="http://schemas.openxmlformats.org/presentationml/2006/main" mc:Ignorable="mv" mc:PreserveAttributes="mv:*" saveSubsetFonts="1" autoCompressPictures="0">
+<p:presentation xmlns:a="http://schemas.openxmlformats.org/drawingml/2006/main" xmlns:r="http://schemas.openxmlformats.org/officeDocument/2006/relationships" xmlns:p="http://schemas.openxmlformats.org/presentationml/2006/main" saveSubsetFonts="1" autoCompressPictures="0">
   <p:sldMasterIdLst>
     <p:sldMasterId id="2147483648" r:id="rId1"/>
   </p:sldMasterIdLst>
   <p:sldIdLst>
     <p:sldId id="256" r:id="rId2"/>
-    <p:sldId id="257" r:id="rId3"/>
-    <p:sldId id="258" r:id="rId4"/>
-    <p:sldId id="260" r:id="rId5"/>
-    <p:sldId id="261" r:id="rId6"/>
-    <p:sldId id="259" r:id="rId7"/>
-    <p:sldId id="262" r:id="rId8"/>
-    <p:sldId id="264" r:id="rId9"/>
-    <p:sldId id="263" r:id="rId10"/>
+    <p:sldId id="265" r:id="rId3"/>
+    <p:sldId id="266" r:id="rId4"/>
+    <p:sldId id="267" r:id="rId5"/>
+    <p:sldId id="268" r:id="rId6"/>
+    <p:sldId id="269" r:id="rId7"/>
+    <p:sldId id="257" r:id="rId8"/>
+    <p:sldId id="258" r:id="rId9"/>
+    <p:sldId id="260" r:id="rId10"/>
+    <p:sldId id="261" r:id="rId11"/>
+    <p:sldId id="259" r:id="rId12"/>
+    <p:sldId id="262" r:id="rId13"/>
+    <p:sldId id="264" r:id="rId14"/>
+    <p:sldId id="263" r:id="rId15"/>
   </p:sldIdLst>
   <p:sldSz cx="9144000" cy="6858000" type="screen4x3"/>
   <p:notesSz cx="6858000" cy="9144000"/>
@@ -116,7 +121,7 @@
 </file>
 
 <file path=ppt/slideLayouts/slideLayout1.xml><?xml version="1.0" encoding="utf-8"?>
-<p:sldLayout xmlns:a="http://schemas.openxmlformats.org/drawingml/2006/main" xmlns:r="http://schemas.openxmlformats.org/officeDocument/2006/relationships" xmlns:mc="http://schemas.openxmlformats.org/markup-compatibility/2006" xmlns:mv="urn:schemas-microsoft-com:mac:vml" xmlns:p="http://schemas.openxmlformats.org/presentationml/2006/main" mc:Ignorable="mv" mc:PreserveAttributes="mv:*" type="title" preserve="1">
+<p:sldLayout xmlns:a="http://schemas.openxmlformats.org/drawingml/2006/main" xmlns:r="http://schemas.openxmlformats.org/officeDocument/2006/relationships" xmlns:p="http://schemas.openxmlformats.org/presentationml/2006/main" type="title" preserve="1">
   <p:cSld name="Title Slide">
     <p:spTree>
       <p:nvGrpSpPr>
@@ -297,7 +302,7 @@
             <a:fld id="{E13022FF-8D8B-7A46-872D-A9D73AC39FD9}" type="datetimeFigureOut">
               <a:rPr lang="en-US" smtClean="0"/>
               <a:pPr/>
-              <a:t>10/6/13</a:t>
+              <a:t>10/6/2013</a:t>
             </a:fld>
             <a:endParaRPr lang="en-US"/>
           </a:p>
@@ -355,7 +360,7 @@
 </file>
 
 <file path=ppt/slideLayouts/slideLayout10.xml><?xml version="1.0" encoding="utf-8"?>
-<p:sldLayout xmlns:a="http://schemas.openxmlformats.org/drawingml/2006/main" xmlns:r="http://schemas.openxmlformats.org/officeDocument/2006/relationships" xmlns:mc="http://schemas.openxmlformats.org/markup-compatibility/2006" xmlns:mv="urn:schemas-microsoft-com:mac:vml" xmlns:p="http://schemas.openxmlformats.org/presentationml/2006/main" mc:Ignorable="mv" mc:PreserveAttributes="mv:*" type="vertTx" preserve="1">
+<p:sldLayout xmlns:a="http://schemas.openxmlformats.org/drawingml/2006/main" xmlns:r="http://schemas.openxmlformats.org/officeDocument/2006/relationships" xmlns:p="http://schemas.openxmlformats.org/presentationml/2006/main" type="vertTx" preserve="1">
   <p:cSld name="Title and Vertical Text">
     <p:spTree>
       <p:nvGrpSpPr>
@@ -464,7 +469,7 @@
             <a:fld id="{E13022FF-8D8B-7A46-872D-A9D73AC39FD9}" type="datetimeFigureOut">
               <a:rPr lang="en-US" smtClean="0"/>
               <a:pPr/>
-              <a:t>10/6/13</a:t>
+              <a:t>10/6/2013</a:t>
             </a:fld>
             <a:endParaRPr lang="en-US"/>
           </a:p>
@@ -522,7 +527,7 @@
 </file>
 
 <file path=ppt/slideLayouts/slideLayout11.xml><?xml version="1.0" encoding="utf-8"?>
-<p:sldLayout xmlns:a="http://schemas.openxmlformats.org/drawingml/2006/main" xmlns:r="http://schemas.openxmlformats.org/officeDocument/2006/relationships" xmlns:mc="http://schemas.openxmlformats.org/markup-compatibility/2006" xmlns:mv="urn:schemas-microsoft-com:mac:vml" xmlns:p="http://schemas.openxmlformats.org/presentationml/2006/main" mc:Ignorable="mv" mc:PreserveAttributes="mv:*" type="vertTitleAndTx" preserve="1">
+<p:sldLayout xmlns:a="http://schemas.openxmlformats.org/drawingml/2006/main" xmlns:r="http://schemas.openxmlformats.org/officeDocument/2006/relationships" xmlns:p="http://schemas.openxmlformats.org/presentationml/2006/main" type="vertTitleAndTx" preserve="1">
   <p:cSld name="Vertical Title and Text">
     <p:spTree>
       <p:nvGrpSpPr>
@@ -641,7 +646,7 @@
             <a:fld id="{E13022FF-8D8B-7A46-872D-A9D73AC39FD9}" type="datetimeFigureOut">
               <a:rPr lang="en-US" smtClean="0"/>
               <a:pPr/>
-              <a:t>10/6/13</a:t>
+              <a:t>10/6/2013</a:t>
             </a:fld>
             <a:endParaRPr lang="en-US"/>
           </a:p>
@@ -699,7 +704,7 @@
 </file>
 
 <file path=ppt/slideLayouts/slideLayout2.xml><?xml version="1.0" encoding="utf-8"?>
-<p:sldLayout xmlns:a="http://schemas.openxmlformats.org/drawingml/2006/main" xmlns:r="http://schemas.openxmlformats.org/officeDocument/2006/relationships" xmlns:mc="http://schemas.openxmlformats.org/markup-compatibility/2006" xmlns:mv="urn:schemas-microsoft-com:mac:vml" xmlns:p="http://schemas.openxmlformats.org/presentationml/2006/main" mc:Ignorable="mv" mc:PreserveAttributes="mv:*" type="obj" preserve="1">
+<p:sldLayout xmlns:a="http://schemas.openxmlformats.org/drawingml/2006/main" xmlns:r="http://schemas.openxmlformats.org/officeDocument/2006/relationships" xmlns:p="http://schemas.openxmlformats.org/presentationml/2006/main" type="obj" preserve="1">
   <p:cSld name="Title and Content">
     <p:spTree>
       <p:nvGrpSpPr>
@@ -808,7 +813,7 @@
             <a:fld id="{E13022FF-8D8B-7A46-872D-A9D73AC39FD9}" type="datetimeFigureOut">
               <a:rPr lang="en-US" smtClean="0"/>
               <a:pPr/>
-              <a:t>10/6/13</a:t>
+              <a:t>10/6/2013</a:t>
             </a:fld>
             <a:endParaRPr lang="en-US"/>
           </a:p>
@@ -866,7 +871,7 @@
 </file>
 
 <file path=ppt/slideLayouts/slideLayout3.xml><?xml version="1.0" encoding="utf-8"?>
-<p:sldLayout xmlns:a="http://schemas.openxmlformats.org/drawingml/2006/main" xmlns:r="http://schemas.openxmlformats.org/officeDocument/2006/relationships" xmlns:mc="http://schemas.openxmlformats.org/markup-compatibility/2006" xmlns:mv="urn:schemas-microsoft-com:mac:vml" xmlns:p="http://schemas.openxmlformats.org/presentationml/2006/main" mc:Ignorable="mv" mc:PreserveAttributes="mv:*" type="secHead" preserve="1">
+<p:sldLayout xmlns:a="http://schemas.openxmlformats.org/drawingml/2006/main" xmlns:r="http://schemas.openxmlformats.org/officeDocument/2006/relationships" xmlns:p="http://schemas.openxmlformats.org/presentationml/2006/main" type="secHead" preserve="1">
   <p:cSld name="Section Header">
     <p:spTree>
       <p:nvGrpSpPr>
@@ -1051,7 +1056,7 @@
             <a:fld id="{E13022FF-8D8B-7A46-872D-A9D73AC39FD9}" type="datetimeFigureOut">
               <a:rPr lang="en-US" smtClean="0"/>
               <a:pPr/>
-              <a:t>10/6/13</a:t>
+              <a:t>10/6/2013</a:t>
             </a:fld>
             <a:endParaRPr lang="en-US"/>
           </a:p>
@@ -1109,7 +1114,7 @@
 </file>
 
 <file path=ppt/slideLayouts/slideLayout4.xml><?xml version="1.0" encoding="utf-8"?>
-<p:sldLayout xmlns:a="http://schemas.openxmlformats.org/drawingml/2006/main" xmlns:r="http://schemas.openxmlformats.org/officeDocument/2006/relationships" xmlns:mc="http://schemas.openxmlformats.org/markup-compatibility/2006" xmlns:mv="urn:schemas-microsoft-com:mac:vml" xmlns:p="http://schemas.openxmlformats.org/presentationml/2006/main" mc:Ignorable="mv" mc:PreserveAttributes="mv:*" type="twoObj" preserve="1">
+<p:sldLayout xmlns:a="http://schemas.openxmlformats.org/drawingml/2006/main" xmlns:r="http://schemas.openxmlformats.org/officeDocument/2006/relationships" xmlns:p="http://schemas.openxmlformats.org/presentationml/2006/main" type="twoObj" preserve="1">
   <p:cSld name="Two Content">
     <p:spTree>
       <p:nvGrpSpPr>
@@ -1336,7 +1341,7 @@
             <a:fld id="{E13022FF-8D8B-7A46-872D-A9D73AC39FD9}" type="datetimeFigureOut">
               <a:rPr lang="en-US" smtClean="0"/>
               <a:pPr/>
-              <a:t>10/6/13</a:t>
+              <a:t>10/6/2013</a:t>
             </a:fld>
             <a:endParaRPr lang="en-US"/>
           </a:p>
@@ -1394,7 +1399,7 @@
 </file>
 
 <file path=ppt/slideLayouts/slideLayout5.xml><?xml version="1.0" encoding="utf-8"?>
-<p:sldLayout xmlns:a="http://schemas.openxmlformats.org/drawingml/2006/main" xmlns:r="http://schemas.openxmlformats.org/officeDocument/2006/relationships" xmlns:mc="http://schemas.openxmlformats.org/markup-compatibility/2006" xmlns:mv="urn:schemas-microsoft-com:mac:vml" xmlns:p="http://schemas.openxmlformats.org/presentationml/2006/main" mc:Ignorable="mv" mc:PreserveAttributes="mv:*" type="twoTxTwoObj" preserve="1">
+<p:sldLayout xmlns:a="http://schemas.openxmlformats.org/drawingml/2006/main" xmlns:r="http://schemas.openxmlformats.org/officeDocument/2006/relationships" xmlns:p="http://schemas.openxmlformats.org/presentationml/2006/main" type="twoTxTwoObj" preserve="1">
   <p:cSld name="Comparison">
     <p:spTree>
       <p:nvGrpSpPr>
@@ -1755,7 +1760,7 @@
             <a:fld id="{E13022FF-8D8B-7A46-872D-A9D73AC39FD9}" type="datetimeFigureOut">
               <a:rPr lang="en-US" smtClean="0"/>
               <a:pPr/>
-              <a:t>10/6/13</a:t>
+              <a:t>10/6/2013</a:t>
             </a:fld>
             <a:endParaRPr lang="en-US"/>
           </a:p>
@@ -1813,7 +1818,7 @@
 </file>
 
 <file path=ppt/slideLayouts/slideLayout6.xml><?xml version="1.0" encoding="utf-8"?>
-<p:sldLayout xmlns:a="http://schemas.openxmlformats.org/drawingml/2006/main" xmlns:r="http://schemas.openxmlformats.org/officeDocument/2006/relationships" xmlns:mc="http://schemas.openxmlformats.org/markup-compatibility/2006" xmlns:mv="urn:schemas-microsoft-com:mac:vml" xmlns:p="http://schemas.openxmlformats.org/presentationml/2006/main" mc:Ignorable="mv" mc:PreserveAttributes="mv:*" type="titleOnly" preserve="1">
+<p:sldLayout xmlns:a="http://schemas.openxmlformats.org/drawingml/2006/main" xmlns:r="http://schemas.openxmlformats.org/officeDocument/2006/relationships" xmlns:p="http://schemas.openxmlformats.org/presentationml/2006/main" type="titleOnly" preserve="1">
   <p:cSld name="Title Only">
     <p:spTree>
       <p:nvGrpSpPr>
@@ -1870,7 +1875,7 @@
             <a:fld id="{E13022FF-8D8B-7A46-872D-A9D73AC39FD9}" type="datetimeFigureOut">
               <a:rPr lang="en-US" smtClean="0"/>
               <a:pPr/>
-              <a:t>10/6/13</a:t>
+              <a:t>10/6/2013</a:t>
             </a:fld>
             <a:endParaRPr lang="en-US"/>
           </a:p>
@@ -1928,7 +1933,7 @@
 </file>
 
 <file path=ppt/slideLayouts/slideLayout7.xml><?xml version="1.0" encoding="utf-8"?>
-<p:sldLayout xmlns:a="http://schemas.openxmlformats.org/drawingml/2006/main" xmlns:r="http://schemas.openxmlformats.org/officeDocument/2006/relationships" xmlns:mc="http://schemas.openxmlformats.org/markup-compatibility/2006" xmlns:mv="urn:schemas-microsoft-com:mac:vml" xmlns:p="http://schemas.openxmlformats.org/presentationml/2006/main" mc:Ignorable="mv" mc:PreserveAttributes="mv:*" type="blank" preserve="1">
+<p:sldLayout xmlns:a="http://schemas.openxmlformats.org/drawingml/2006/main" xmlns:r="http://schemas.openxmlformats.org/officeDocument/2006/relationships" xmlns:p="http://schemas.openxmlformats.org/presentationml/2006/main" type="blank" preserve="1">
   <p:cSld name="Blank">
     <p:spTree>
       <p:nvGrpSpPr>
@@ -1962,7 +1967,7 @@
             <a:fld id="{E13022FF-8D8B-7A46-872D-A9D73AC39FD9}" type="datetimeFigureOut">
               <a:rPr lang="en-US" smtClean="0"/>
               <a:pPr/>
-              <a:t>10/6/13</a:t>
+              <a:t>10/6/2013</a:t>
             </a:fld>
             <a:endParaRPr lang="en-US"/>
           </a:p>
@@ -2020,7 +2025,7 @@
 </file>
 
 <file path=ppt/slideLayouts/slideLayout8.xml><?xml version="1.0" encoding="utf-8"?>
-<p:sldLayout xmlns:a="http://schemas.openxmlformats.org/drawingml/2006/main" xmlns:r="http://schemas.openxmlformats.org/officeDocument/2006/relationships" xmlns:mc="http://schemas.openxmlformats.org/markup-compatibility/2006" xmlns:mv="urn:schemas-microsoft-com:mac:vml" xmlns:p="http://schemas.openxmlformats.org/presentationml/2006/main" mc:Ignorable="mv" mc:PreserveAttributes="mv:*" type="objTx" preserve="1">
+<p:sldLayout xmlns:a="http://schemas.openxmlformats.org/drawingml/2006/main" xmlns:r="http://schemas.openxmlformats.org/officeDocument/2006/relationships" xmlns:p="http://schemas.openxmlformats.org/presentationml/2006/main" type="objTx" preserve="1">
   <p:cSld name="Content with Caption">
     <p:spTree>
       <p:nvGrpSpPr>
@@ -2236,7 +2241,7 @@
             <a:fld id="{E13022FF-8D8B-7A46-872D-A9D73AC39FD9}" type="datetimeFigureOut">
               <a:rPr lang="en-US" smtClean="0"/>
               <a:pPr/>
-              <a:t>10/6/13</a:t>
+              <a:t>10/6/2013</a:t>
             </a:fld>
             <a:endParaRPr lang="en-US"/>
           </a:p>
@@ -2294,7 +2299,7 @@
 </file>
 
 <file path=ppt/slideLayouts/slideLayout9.xml><?xml version="1.0" encoding="utf-8"?>
-<p:sldLayout xmlns:a="http://schemas.openxmlformats.org/drawingml/2006/main" xmlns:r="http://schemas.openxmlformats.org/officeDocument/2006/relationships" xmlns:mc="http://schemas.openxmlformats.org/markup-compatibility/2006" xmlns:mv="urn:schemas-microsoft-com:mac:vml" xmlns:p="http://schemas.openxmlformats.org/presentationml/2006/main" mc:Ignorable="mv" mc:PreserveAttributes="mv:*" type="picTx" preserve="1">
+<p:sldLayout xmlns:a="http://schemas.openxmlformats.org/drawingml/2006/main" xmlns:r="http://schemas.openxmlformats.org/officeDocument/2006/relationships" xmlns:p="http://schemas.openxmlformats.org/presentationml/2006/main" type="picTx" preserve="1">
   <p:cSld name="Picture with Caption">
     <p:spTree>
       <p:nvGrpSpPr>
@@ -2486,7 +2491,7 @@
             <a:fld id="{E13022FF-8D8B-7A46-872D-A9D73AC39FD9}" type="datetimeFigureOut">
               <a:rPr lang="en-US" smtClean="0"/>
               <a:pPr/>
-              <a:t>10/6/13</a:t>
+              <a:t>10/6/2013</a:t>
             </a:fld>
             <a:endParaRPr lang="en-US"/>
           </a:p>
@@ -2544,7 +2549,7 @@
 </file>
 
 <file path=ppt/slideMasters/slideMaster1.xml><?xml version="1.0" encoding="utf-8"?>
-<p:sldMaster xmlns:a="http://schemas.openxmlformats.org/drawingml/2006/main" xmlns:r="http://schemas.openxmlformats.org/officeDocument/2006/relationships" xmlns:mc="http://schemas.openxmlformats.org/markup-compatibility/2006" xmlns:mv="urn:schemas-microsoft-com:mac:vml" xmlns:p="http://schemas.openxmlformats.org/presentationml/2006/main" mc:Ignorable="mv" mc:PreserveAttributes="mv:*">
+<p:sldMaster xmlns:a="http://schemas.openxmlformats.org/drawingml/2006/main" xmlns:r="http://schemas.openxmlformats.org/officeDocument/2006/relationships" xmlns:p="http://schemas.openxmlformats.org/presentationml/2006/main">
   <p:cSld>
     <p:bg>
       <p:bgRef idx="1001">
@@ -2696,7 +2701,7 @@
             <a:fld id="{E13022FF-8D8B-7A46-872D-A9D73AC39FD9}" type="datetimeFigureOut">
               <a:rPr lang="en-US" smtClean="0"/>
               <a:pPr/>
-              <a:t>10/6/13</a:t>
+              <a:t>10/6/2013</a:t>
             </a:fld>
             <a:endParaRPr lang="en-US"/>
           </a:p>
@@ -3051,7 +3056,7 @@
 </file>
 
 <file path=ppt/slides/slide1.xml><?xml version="1.0" encoding="utf-8"?>
-<p:sld xmlns:a="http://schemas.openxmlformats.org/drawingml/2006/main" xmlns:r="http://schemas.openxmlformats.org/officeDocument/2006/relationships" xmlns:mc="http://schemas.openxmlformats.org/markup-compatibility/2006" xmlns:mv="urn:schemas-microsoft-com:mac:vml" xmlns:p="http://schemas.openxmlformats.org/presentationml/2006/main" mc:Ignorable="mv" mc:PreserveAttributes="mv:*">
+<p:sld xmlns:a="http://schemas.openxmlformats.org/drawingml/2006/main" xmlns:r="http://schemas.openxmlformats.org/officeDocument/2006/relationships" xmlns:p="http://schemas.openxmlformats.org/presentationml/2006/main">
   <p:cSld>
     <p:spTree>
       <p:nvGrpSpPr>
@@ -3114,7 +3119,19 @@
           <a:p>
             <a:r>
               <a:rPr lang="en-US" dirty="0" smtClean="0"/>
-              <a:t>Using monads and arrows in server-side game development.</a:t>
+              <a:t>Using monads and arrows in server-side game development</a:t>
+            </a:r>
+            <a:r>
+              <a:rPr lang="en-US" dirty="0" smtClean="0"/>
+              <a:t>.</a:t>
+            </a:r>
+          </a:p>
+          <a:p>
+            <a:r>
+              <a:rPr lang="en-US" dirty="0">
+                <a:hlinkClick r:id="rId2"/>
+              </a:rPr>
+              <a:t>https://github.com/enright/arrowlets</a:t>
             </a:r>
             <a:endParaRPr lang="en-US" dirty="0"/>
           </a:p>
@@ -3128,8 +3145,8 @@
 </p:sld>
 </file>
 
-<file path=ppt/slides/slide2.xml><?xml version="1.0" encoding="utf-8"?>
-<p:sld xmlns:a="http://schemas.openxmlformats.org/drawingml/2006/main" xmlns:r="http://schemas.openxmlformats.org/officeDocument/2006/relationships" xmlns:mc="http://schemas.openxmlformats.org/markup-compatibility/2006" xmlns:mv="urn:schemas-microsoft-com:mac:vml" xmlns:p="http://schemas.openxmlformats.org/presentationml/2006/main" mc:Ignorable="mv" mc:PreserveAttributes="mv:*">
+<file path=ppt/slides/slide10.xml><?xml version="1.0" encoding="utf-8"?>
+<p:sld xmlns:a="http://schemas.openxmlformats.org/drawingml/2006/main" xmlns:r="http://schemas.openxmlformats.org/officeDocument/2006/relationships" xmlns:p="http://schemas.openxmlformats.org/presentationml/2006/main">
   <p:cSld>
     <p:spTree>
       <p:nvGrpSpPr>
@@ -3162,7 +3179,7 @@
           <a:p>
             <a:r>
               <a:rPr lang="en-US" dirty="0" smtClean="0"/>
-              <a:t>Why Arrows?</a:t>
+              <a:t>Arrows Are</a:t>
             </a:r>
             <a:endParaRPr lang="en-US" dirty="0"/>
           </a:p>
@@ -3181,47 +3198,97 @@
         <p:spPr/>
         <p:txBody>
           <a:bodyPr>
-            <a:normAutofit fontScale="92500" lnSpcReduction="10000"/>
+            <a:normAutofit fontScale="85000" lnSpcReduction="20000"/>
           </a:bodyPr>
           <a:lstStyle/>
           <a:p>
             <a:r>
-              <a:rPr lang="en-US" dirty="0"/>
-              <a:t>T</a:t>
-            </a:r>
-            <a:r>
-              <a:rPr lang="en-US" dirty="0" smtClean="0"/>
-              <a:t>he monadic interface </a:t>
-            </a:r>
-            <a:r>
               <a:rPr lang="en-US" dirty="0" err="1" smtClean="0"/>
-              <a:t>suﬀers</a:t>
-            </a:r>
-            <a:r>
-              <a:rPr lang="en-US" dirty="0" smtClean="0"/>
-              <a:t> a rather severe restriction. While a monadic program can produce its output in many </a:t>
-            </a:r>
+              <a:t>Composable</a:t>
+            </a:r>
+            <a:r>
+              <a:rPr lang="en-US" dirty="0" smtClean="0"/>
+              <a:t> into Arrows</a:t>
+            </a:r>
+          </a:p>
+          <a:p>
+            <a:pPr lvl="1"/>
+            <a:r>
+              <a:rPr lang="en-US" dirty="0" smtClean="0"/>
+              <a:t>You build arrows from arrows</a:t>
+            </a:r>
+          </a:p>
+          <a:p>
+            <a:pPr lvl="1"/>
+            <a:r>
+              <a:rPr lang="en-US" dirty="0" smtClean="0"/>
+              <a:t>A variety of composition operators allow you to branch, join, sequence and repeat arrows.</a:t>
+            </a:r>
+          </a:p>
+          <a:p>
             <a:r>
               <a:rPr lang="en-US" dirty="0" err="1" smtClean="0"/>
-              <a:t>diﬀerent</a:t>
-            </a:r>
-            <a:r>
-              <a:rPr lang="en-US" dirty="0" smtClean="0"/>
-              <a:t> ways — perhaps not at all (the Maybe monad) […]— it takes its input in just one way: via the parameters of a function.</a:t>
-            </a:r>
-          </a:p>
-          <a:p>
-            <a:r>
-              <a:rPr lang="en-US" dirty="0" smtClean="0"/>
-              <a:t>-Hughes, John, “Programming with Arrows”</a:t>
-            </a:r>
-          </a:p>
-          <a:p>
-            <a:r>
-              <a:rPr lang="en-US" dirty="0" smtClean="0"/>
-              <a:t>Let’s avoid passing state to functions (to simplify our functions) and let the arrows move the state around.</a:t>
-            </a:r>
-            <a:endParaRPr lang="en-US" dirty="0"/>
+              <a:t>Runnable</a:t>
+            </a:r>
+            <a:r>
+              <a:rPr lang="en-US" dirty="0" smtClean="0"/>
+              <a:t> Structures</a:t>
+            </a:r>
+          </a:p>
+          <a:p>
+            <a:pPr lvl="1"/>
+            <a:r>
+              <a:rPr lang="en-US" dirty="0" smtClean="0"/>
+              <a:t>Data flows through arrows (inputs and outputs)</a:t>
+            </a:r>
+          </a:p>
+          <a:p>
+            <a:pPr lvl="1"/>
+            <a:r>
+              <a:rPr lang="en-US" dirty="0" smtClean="0"/>
+              <a:t>Control flows through arrows (repeat)</a:t>
+            </a:r>
+          </a:p>
+          <a:p>
+            <a:r>
+              <a:rPr lang="en-US" dirty="0" smtClean="0"/>
+              <a:t>About </a:t>
+            </a:r>
+            <a:r>
+              <a:rPr lang="en-US" dirty="0" err="1" smtClean="0"/>
+              <a:t>tuples</a:t>
+            </a:r>
+            <a:endParaRPr lang="en-US" dirty="0" smtClean="0"/>
+          </a:p>
+          <a:p>
+            <a:pPr lvl="1"/>
+            <a:r>
+              <a:rPr lang="en-US" dirty="0" smtClean="0"/>
+              <a:t>Lifted functions generally operate on one of the inputs in the input </a:t>
+            </a:r>
+            <a:r>
+              <a:rPr lang="en-US" dirty="0" err="1" smtClean="0"/>
+              <a:t>tuple</a:t>
+            </a:r>
+            <a:endParaRPr lang="en-US" dirty="0" smtClean="0"/>
+          </a:p>
+          <a:p>
+            <a:pPr lvl="2"/>
+            <a:r>
+              <a:rPr lang="en-US" dirty="0" smtClean="0"/>
+              <a:t>Use first() or second() composition</a:t>
+            </a:r>
+          </a:p>
+          <a:p>
+            <a:pPr lvl="1"/>
+            <a:r>
+              <a:rPr lang="en-US" dirty="0" err="1" smtClean="0"/>
+              <a:t>Tuple</a:t>
+            </a:r>
+            <a:r>
+              <a:rPr lang="en-US" dirty="0" smtClean="0"/>
+              <a:t>-aware functions can operate on both</a:t>
+            </a:r>
           </a:p>
         </p:txBody>
       </p:sp>
@@ -3233,8 +3300,8 @@
 </p:sld>
 </file>
 
-<file path=ppt/slides/slide3.xml><?xml version="1.0" encoding="utf-8"?>
-<p:sld xmlns:a="http://schemas.openxmlformats.org/drawingml/2006/main" xmlns:r="http://schemas.openxmlformats.org/officeDocument/2006/relationships" xmlns:mc="http://schemas.openxmlformats.org/markup-compatibility/2006" xmlns:mv="urn:schemas-microsoft-com:mac:vml" xmlns:p="http://schemas.openxmlformats.org/presentationml/2006/main" mc:Ignorable="mv" mc:PreserveAttributes="mv:*">
+<file path=ppt/slides/slide11.xml><?xml version="1.0" encoding="utf-8"?>
+<p:sld xmlns:a="http://schemas.openxmlformats.org/drawingml/2006/main" xmlns:r="http://schemas.openxmlformats.org/officeDocument/2006/relationships" xmlns:p="http://schemas.openxmlformats.org/presentationml/2006/main">
   <p:cSld>
     <p:spTree>
       <p:nvGrpSpPr>
@@ -3267,7 +3334,7 @@
           <a:p>
             <a:r>
               <a:rPr lang="en-US" dirty="0" smtClean="0"/>
-              <a:t>Why arrows?</a:t>
+              <a:t>Composing Arrows</a:t>
             </a:r>
             <a:endParaRPr lang="en-US" dirty="0"/>
           </a:p>
@@ -3286,56 +3353,119 @@
         <p:spPr/>
         <p:txBody>
           <a:bodyPr>
-            <a:normAutofit fontScale="92500" lnSpcReduction="20000"/>
+            <a:normAutofit fontScale="77500" lnSpcReduction="20000"/>
           </a:bodyPr>
           <a:lstStyle/>
           <a:p>
             <a:r>
               <a:rPr lang="en-US" dirty="0" smtClean="0"/>
-              <a:t>Arrows thus </a:t>
+              <a:t>lift – lift a function into an arrow</a:t>
+            </a:r>
+          </a:p>
+          <a:p>
+            <a:pPr lvl="1"/>
+            <a:r>
+              <a:rPr lang="en-US" dirty="0" smtClean="0"/>
+              <a:t>Lifting allows us to write functions that are focused and specific, and compose those functions into more complex processes.</a:t>
+            </a:r>
+          </a:p>
+          <a:p>
+            <a:pPr lvl="1"/>
+            <a:r>
+              <a:rPr lang="en-US" dirty="0" smtClean="0"/>
+              <a:t>Brings the function into the world of arrow inputs and outputs</a:t>
+            </a:r>
+          </a:p>
+          <a:p>
+            <a:r>
+              <a:rPr lang="en-US" dirty="0" smtClean="0"/>
+              <a:t>&gt;&gt;&gt; (then, next, compose)</a:t>
+            </a:r>
+          </a:p>
+          <a:p>
+            <a:pPr lvl="1"/>
+            <a:r>
+              <a:rPr lang="en-US" dirty="0" smtClean="0"/>
+              <a:t>Compose Arrow a </a:t>
             </a:r>
             <a:r>
               <a:rPr lang="en-US" dirty="0" err="1" smtClean="0"/>
-              <a:t>oﬀer</a:t>
-            </a:r>
-            <a:r>
-              <a:rPr lang="en-US" dirty="0" smtClean="0"/>
-              <a:t> a competing way to represent computations in Haskell.</a:t>
-            </a:r>
-            <a:r>
-              <a:rPr lang="en-US" dirty="0"/>
+              <a:t>b</a:t>
+            </a:r>
+            <a:r>
+              <a:rPr lang="en-US" dirty="0" smtClean="0"/>
+              <a:t> -&gt; Arrow </a:t>
+            </a:r>
+            <a:r>
+              <a:rPr lang="en-US" dirty="0" err="1" smtClean="0"/>
+              <a:t>b</a:t>
+            </a:r>
+            <a:r>
+              <a:rPr lang="en-US" dirty="0" smtClean="0"/>
               <a:t> </a:t>
             </a:r>
             <a:r>
-              <a:rPr lang="en-US" dirty="0" smtClean="0"/>
-              <a:t>But their purpose is not to replace monads, it is to bring the </a:t>
-            </a:r>
-            <a:r>
               <a:rPr lang="en-US" dirty="0" err="1" smtClean="0"/>
-              <a:t>beneﬁts</a:t>
-            </a:r>
-            <a:r>
-              <a:rPr lang="en-US" dirty="0" smtClean="0"/>
-              <a:t> of a shared interface […] to a wider class of computations than monads can </a:t>
+              <a:t>c</a:t>
+            </a:r>
+            <a:r>
+              <a:rPr lang="en-US" dirty="0" smtClean="0"/>
+              <a:t> into Arrow a </a:t>
             </a:r>
             <a:r>
               <a:rPr lang="en-US" dirty="0" err="1" smtClean="0"/>
-              <a:t>accomodate</a:t>
-            </a:r>
-            <a:r>
-              <a:rPr lang="en-US" dirty="0" smtClean="0"/>
-              <a:t>. And in practice, </a:t>
-            </a:r>
-            <a:r>
-              <a:rPr lang="en-US" i="1" dirty="0" smtClean="0"/>
-              <a:t>this often means computations that represent processes.</a:t>
+              <a:t>c</a:t>
             </a:r>
             <a:endParaRPr lang="en-US" dirty="0" smtClean="0"/>
           </a:p>
           <a:p>
-            <a:r>
-              <a:rPr lang="en-US" dirty="0" smtClean="0"/>
-              <a:t>Games have state machines, which represent processes. Is there a good match between Arrow composition and simplifying the construction of state machines?</a:t>
+            <a:pPr lvl="1"/>
+            <a:r>
+              <a:rPr lang="en-US" dirty="0" smtClean="0"/>
+              <a:t>Think of:  An arrow waits for an event (a = event name to wait for) produces event (</a:t>
+            </a:r>
+            <a:r>
+              <a:rPr lang="en-US" dirty="0" err="1" smtClean="0"/>
+              <a:t>b</a:t>
+            </a:r>
+            <a:r>
+              <a:rPr lang="en-US" dirty="0" smtClean="0"/>
+              <a:t> = event data) processes event (</a:t>
+            </a:r>
+            <a:r>
+              <a:rPr lang="en-US" dirty="0" err="1" smtClean="0"/>
+              <a:t>c</a:t>
+            </a:r>
+            <a:r>
+              <a:rPr lang="en-US" dirty="0" smtClean="0"/>
+              <a:t> = result of processing)</a:t>
+            </a:r>
+          </a:p>
+          <a:p>
+            <a:pPr lvl="1"/>
+            <a:r>
+              <a:rPr lang="en-US" dirty="0" smtClean="0"/>
+              <a:t>Please note that this is very specific about inputs and outputs</a:t>
+            </a:r>
+          </a:p>
+          <a:p>
+            <a:r>
+              <a:rPr lang="en-US" dirty="0" smtClean="0"/>
+              <a:t>&amp;&amp;&amp; (split, </a:t>
+            </a:r>
+            <a:r>
+              <a:rPr lang="en-US" dirty="0" err="1" smtClean="0"/>
+              <a:t>fanout</a:t>
+            </a:r>
+            <a:r>
+              <a:rPr lang="en-US" dirty="0" smtClean="0"/>
+              <a:t>)</a:t>
+            </a:r>
+          </a:p>
+          <a:p>
+            <a:r>
+              <a:rPr lang="en-US" dirty="0" smtClean="0"/>
+              <a:t>||| (or)</a:t>
             </a:r>
             <a:endParaRPr lang="en-US" dirty="0"/>
           </a:p>
@@ -3349,8 +3479,8 @@
 </p:sld>
 </file>
 
-<file path=ppt/slides/slide4.xml><?xml version="1.0" encoding="utf-8"?>
-<p:sld xmlns:a="http://schemas.openxmlformats.org/drawingml/2006/main" xmlns:r="http://schemas.openxmlformats.org/officeDocument/2006/relationships" xmlns:mc="http://schemas.openxmlformats.org/markup-compatibility/2006" xmlns:mv="urn:schemas-microsoft-com:mac:vml" xmlns:p="http://schemas.openxmlformats.org/presentationml/2006/main" mc:Ignorable="mv" mc:PreserveAttributes="mv:*">
+<file path=ppt/slides/slide12.xml><?xml version="1.0" encoding="utf-8"?>
+<p:sld xmlns:a="http://schemas.openxmlformats.org/drawingml/2006/main" xmlns:r="http://schemas.openxmlformats.org/officeDocument/2006/relationships" xmlns:p="http://schemas.openxmlformats.org/presentationml/2006/main">
   <p:cSld>
     <p:spTree>
       <p:nvGrpSpPr>
@@ -3382,8 +3512,8 @@
           <a:lstStyle/>
           <a:p>
             <a:r>
-              <a:rPr lang="en-US" dirty="0" smtClean="0"/>
-              <a:t>Arrows Are</a:t>
+              <a:rPr lang="en-US" dirty="0" err="1" smtClean="0"/>
+              <a:t>Arrowlets</a:t>
             </a:r>
             <a:endParaRPr lang="en-US" dirty="0"/>
           </a:p>
@@ -3402,68 +3532,95 @@
         <p:spPr/>
         <p:txBody>
           <a:bodyPr>
-            <a:normAutofit fontScale="92500" lnSpcReduction="20000"/>
+            <a:normAutofit fontScale="85000" lnSpcReduction="20000"/>
           </a:bodyPr>
           <a:lstStyle/>
           <a:p>
             <a:r>
               <a:rPr lang="en-US" dirty="0" smtClean="0"/>
-              <a:t>From and to</a:t>
+              <a:t>Asynchronous Event Arrows</a:t>
+            </a:r>
+          </a:p>
+          <a:p>
+            <a:r>
+              <a:rPr lang="en-US" dirty="0" smtClean="0"/>
+              <a:t>Originally designed with browser UI in mind</a:t>
             </a:r>
           </a:p>
           <a:p>
             <a:pPr lvl="1"/>
             <a:r>
               <a:rPr lang="en-US" dirty="0" smtClean="0"/>
-              <a:t>Unlike monads, arrows are explicit about the form of the input. In </a:t>
+              <a:t>Paper describes implementing drag and drop</a:t>
+            </a:r>
+          </a:p>
+          <a:p>
+            <a:r>
+              <a:rPr lang="en-US" dirty="0" smtClean="0"/>
+              <a:t>Asynchronous</a:t>
+            </a:r>
+          </a:p>
+          <a:p>
+            <a:pPr lvl="1"/>
+            <a:r>
+              <a:rPr lang="en-US" dirty="0" smtClean="0"/>
+              <a:t>Lifted functions are </a:t>
             </a:r>
             <a:r>
               <a:rPr lang="en-US" dirty="0" err="1" smtClean="0"/>
-              <a:t>Javascipt</a:t>
-            </a:r>
-            <a:r>
-              <a:rPr lang="en-US" dirty="0" smtClean="0"/>
-              <a:t>, of course they are not explicit about the </a:t>
-            </a:r>
-            <a:r>
-              <a:rPr lang="en-US" i="1" dirty="0" smtClean="0"/>
-              <a:t>type</a:t>
-            </a:r>
-            <a:r>
-              <a:rPr lang="en-US" dirty="0" smtClean="0"/>
-              <a:t> of the input.</a:t>
+              <a:t>thunked</a:t>
+            </a:r>
+            <a:r>
+              <a:rPr lang="en-US" dirty="0" smtClean="0"/>
+              <a:t> </a:t>
+            </a:r>
+            <a:r>
+              <a:rPr lang="en-US" dirty="0"/>
+              <a:t>(</a:t>
+            </a:r>
+            <a:r>
+              <a:rPr lang="en-US" dirty="0" smtClean="0"/>
+              <a:t>run asynchronously)</a:t>
+            </a:r>
+          </a:p>
+          <a:p>
+            <a:r>
+              <a:rPr lang="en-US" dirty="0" smtClean="0"/>
+              <a:t>Event</a:t>
             </a:r>
           </a:p>
           <a:p>
             <a:pPr lvl="1"/>
             <a:r>
               <a:rPr lang="en-US" dirty="0" smtClean="0"/>
-              <a:t>You spend </a:t>
-            </a:r>
-            <a:r>
-              <a:rPr lang="en-US" i="1" dirty="0" smtClean="0"/>
-              <a:t>a lot of time thinking about inputs and outputs</a:t>
-            </a:r>
-            <a:r>
-              <a:rPr lang="en-US" dirty="0" smtClean="0"/>
-              <a:t>, because you structure your computations around these aspects of arrows.</a:t>
-            </a:r>
-          </a:p>
-          <a:p>
-            <a:r>
-              <a:rPr lang="en-US" dirty="0" smtClean="0"/>
-              <a:t>Functions	</a:t>
+              <a:t>Designed to be used with document event handlers</a:t>
+            </a:r>
+          </a:p>
+          <a:p>
+            <a:r>
+              <a:rPr lang="en-US" dirty="0" smtClean="0"/>
+              <a:t>Arrows</a:t>
             </a:r>
           </a:p>
           <a:p>
             <a:pPr lvl="1"/>
             <a:r>
               <a:rPr lang="en-US" dirty="0" smtClean="0"/>
-              <a:t>A function is trivially ‘lifted’ into an arrow, which allows us to create specific, focused functions, and use arrows to structure the computations that use those functions.</a:t>
-            </a:r>
-          </a:p>
-          <a:p>
-            <a:endParaRPr lang="en-US" dirty="0"/>
+              <a:t>Arrow composition allows complex state machines</a:t>
+            </a:r>
+          </a:p>
+          <a:p>
+            <a:r>
+              <a:rPr lang="en-US" dirty="0" smtClean="0"/>
+              <a:t>Cancelable</a:t>
+            </a:r>
+          </a:p>
+          <a:p>
+            <a:pPr lvl="1"/>
+            <a:r>
+              <a:rPr lang="en-US" dirty="0" smtClean="0"/>
+              <a:t>You can stop running arrows</a:t>
+            </a:r>
           </a:p>
         </p:txBody>
       </p:sp>
@@ -3475,8 +3632,8 @@
 </p:sld>
 </file>
 
-<file path=ppt/slides/slide5.xml><?xml version="1.0" encoding="utf-8"?>
-<p:sld xmlns:a="http://schemas.openxmlformats.org/drawingml/2006/main" xmlns:r="http://schemas.openxmlformats.org/officeDocument/2006/relationships" xmlns:mc="http://schemas.openxmlformats.org/markup-compatibility/2006" xmlns:mv="urn:schemas-microsoft-com:mac:vml" xmlns:p="http://schemas.openxmlformats.org/presentationml/2006/main" mc:Ignorable="mv" mc:PreserveAttributes="mv:*">
+<file path=ppt/slides/slide13.xml><?xml version="1.0" encoding="utf-8"?>
+<p:sld xmlns:a="http://schemas.openxmlformats.org/drawingml/2006/main" xmlns:r="http://schemas.openxmlformats.org/officeDocument/2006/relationships" xmlns:p="http://schemas.openxmlformats.org/presentationml/2006/main">
   <p:cSld>
     <p:spTree>
       <p:nvGrpSpPr>
@@ -3509,7 +3666,7 @@
           <a:p>
             <a:r>
               <a:rPr lang="en-US" dirty="0" smtClean="0"/>
-              <a:t>Arrows Are</a:t>
+              <a:t>Who Thought of That?</a:t>
             </a:r>
             <a:endParaRPr lang="en-US" dirty="0"/>
           </a:p>
@@ -3527,98 +3684,92 @@
         </p:nvSpPr>
         <p:spPr/>
         <p:txBody>
-          <a:bodyPr>
-            <a:normAutofit fontScale="85000" lnSpcReduction="20000"/>
-          </a:bodyPr>
+          <a:bodyPr/>
           <a:lstStyle/>
           <a:p>
             <a:r>
               <a:rPr lang="en-US" dirty="0" err="1" smtClean="0"/>
-              <a:t>Composable</a:t>
-            </a:r>
-            <a:r>
-              <a:rPr lang="en-US" dirty="0" smtClean="0"/>
-              <a:t> into Arrows</a:t>
-            </a:r>
-          </a:p>
-          <a:p>
-            <a:pPr lvl="1"/>
-            <a:r>
-              <a:rPr lang="en-US" dirty="0" smtClean="0"/>
-              <a:t>You build arrows from arrows</a:t>
-            </a:r>
-          </a:p>
-          <a:p>
-            <a:pPr lvl="1"/>
-            <a:r>
-              <a:rPr lang="en-US" dirty="0" smtClean="0"/>
-              <a:t>A variety of composition operators allow you to branch, join, sequence and repeat arrows.</a:t>
-            </a:r>
-          </a:p>
-          <a:p>
+              <a:t>Khoo</a:t>
+            </a:r>
+            <a:r>
+              <a:rPr lang="en-US" dirty="0" smtClean="0"/>
+              <a:t> </a:t>
+            </a:r>
             <a:r>
               <a:rPr lang="en-US" dirty="0" err="1" smtClean="0"/>
-              <a:t>Runnable</a:t>
-            </a:r>
-            <a:r>
-              <a:rPr lang="en-US" dirty="0" smtClean="0"/>
-              <a:t> Structures</a:t>
-            </a:r>
-          </a:p>
-          <a:p>
-            <a:pPr lvl="1"/>
-            <a:r>
-              <a:rPr lang="en-US" dirty="0" smtClean="0"/>
-              <a:t>Data flows through arrows (inputs and outputs)</a:t>
-            </a:r>
-          </a:p>
-          <a:p>
-            <a:pPr lvl="1"/>
-            <a:r>
-              <a:rPr lang="en-US" dirty="0" smtClean="0"/>
-              <a:t>Control flows through arrows (repeat)</a:t>
-            </a:r>
-          </a:p>
-          <a:p>
-            <a:r>
-              <a:rPr lang="en-US" dirty="0" smtClean="0"/>
-              <a:t>About </a:t>
+              <a:t>Yit</a:t>
+            </a:r>
+            <a:r>
+              <a:rPr lang="en-US" dirty="0" smtClean="0"/>
+              <a:t> </a:t>
             </a:r>
             <a:r>
               <a:rPr lang="en-US" dirty="0" err="1" smtClean="0"/>
-              <a:t>tuples</a:t>
+              <a:t>Phang</a:t>
+            </a:r>
+            <a:r>
+              <a:rPr lang="en-US" dirty="0" smtClean="0"/>
+              <a:t>, Michael Hicks, Jeffrey S. Foster and </a:t>
+            </a:r>
+            <a:r>
+              <a:rPr lang="en-US" dirty="0" err="1" smtClean="0"/>
+              <a:t>Vibha</a:t>
+            </a:r>
+            <a:r>
+              <a:rPr lang="en-US" dirty="0" smtClean="0"/>
+              <a:t> </a:t>
+            </a:r>
+            <a:r>
+              <a:rPr lang="en-US" dirty="0" err="1" smtClean="0"/>
+              <a:t>Sazawal</a:t>
+            </a:r>
+            <a:r>
+              <a:rPr lang="en-US" dirty="0" smtClean="0"/>
+              <a:t>. University of Maryland, Department of Computer Science. June 2009.</a:t>
+            </a:r>
+          </a:p>
+          <a:p>
+            <a:r>
+              <a:rPr lang="en-US" dirty="0" smtClean="0">
+                <a:hlinkClick r:id="rId2"/>
+              </a:rPr>
+              <a:t>http://www.cs.umd.edu/projects/PL/arrowlets/index.xhtml</a:t>
             </a:r>
             <a:endParaRPr lang="en-US" dirty="0" smtClean="0"/>
           </a:p>
           <a:p>
-            <a:pPr lvl="1"/>
-            <a:r>
-              <a:rPr lang="en-US" dirty="0" smtClean="0"/>
-              <a:t>Lifted functions generally operate on one of the inputs in the input </a:t>
-            </a:r>
             <a:r>
               <a:rPr lang="en-US" dirty="0" err="1" smtClean="0"/>
-              <a:t>tuple</a:t>
+              <a:t>Arrowlets</a:t>
+            </a:r>
+            <a:r>
+              <a:rPr lang="en-US" dirty="0" smtClean="0"/>
+              <a:t> library was further developed by </a:t>
+            </a:r>
+            <a:r>
+              <a:rPr lang="en-US" dirty="0" err="1" smtClean="0"/>
+              <a:t>Khoo</a:t>
+            </a:r>
+            <a:r>
+              <a:rPr lang="en-US" dirty="0" smtClean="0"/>
+              <a:t> </a:t>
+            </a:r>
+            <a:r>
+              <a:rPr lang="en-US" dirty="0" err="1" smtClean="0"/>
+              <a:t>Yit</a:t>
+            </a:r>
+            <a:r>
+              <a:rPr lang="en-US" dirty="0" smtClean="0"/>
+              <a:t> </a:t>
+            </a:r>
+            <a:r>
+              <a:rPr lang="en-US" dirty="0" err="1" smtClean="0"/>
+              <a:t>Phang</a:t>
             </a:r>
             <a:endParaRPr lang="en-US" dirty="0" smtClean="0"/>
           </a:p>
           <a:p>
-            <a:pPr lvl="2"/>
-            <a:r>
-              <a:rPr lang="en-US" dirty="0" smtClean="0"/>
-              <a:t>Use first() or second() composition</a:t>
-            </a:r>
-          </a:p>
-          <a:p>
-            <a:pPr lvl="1"/>
-            <a:r>
-              <a:rPr lang="en-US" dirty="0" err="1" smtClean="0"/>
-              <a:t>Tuple</a:t>
-            </a:r>
-            <a:r>
-              <a:rPr lang="en-US" dirty="0" smtClean="0"/>
-              <a:t>-aware functions can operate on both</a:t>
-            </a:r>
+            <a:endParaRPr lang="en-US" dirty="0"/>
           </a:p>
         </p:txBody>
       </p:sp>
@@ -3630,8 +3781,8 @@
 </p:sld>
 </file>
 
-<file path=ppt/slides/slide6.xml><?xml version="1.0" encoding="utf-8"?>
-<p:sld xmlns:a="http://schemas.openxmlformats.org/drawingml/2006/main" xmlns:r="http://schemas.openxmlformats.org/officeDocument/2006/relationships" xmlns:mc="http://schemas.openxmlformats.org/markup-compatibility/2006" xmlns:mv="urn:schemas-microsoft-com:mac:vml" xmlns:p="http://schemas.openxmlformats.org/presentationml/2006/main" mc:Ignorable="mv" mc:PreserveAttributes="mv:*">
+<file path=ppt/slides/slide14.xml><?xml version="1.0" encoding="utf-8"?>
+<p:sld xmlns:a="http://schemas.openxmlformats.org/drawingml/2006/main" xmlns:r="http://schemas.openxmlformats.org/officeDocument/2006/relationships" xmlns:p="http://schemas.openxmlformats.org/presentationml/2006/main">
   <p:cSld>
     <p:spTree>
       <p:nvGrpSpPr>
@@ -3663,8 +3814,16 @@
           <a:lstStyle/>
           <a:p>
             <a:r>
-              <a:rPr lang="en-US" dirty="0" smtClean="0"/>
-              <a:t>Composing Arrows</a:t>
+              <a:rPr lang="en-US" dirty="0" err="1" smtClean="0"/>
+              <a:t>Arrowlets</a:t>
+            </a:r>
+            <a:r>
+              <a:rPr lang="en-US" dirty="0" smtClean="0"/>
+              <a:t> with </a:t>
+            </a:r>
+            <a:r>
+              <a:rPr lang="en-US" dirty="0" err="1" smtClean="0"/>
+              <a:t>Nodejs</a:t>
             </a:r>
             <a:endParaRPr lang="en-US" dirty="0"/>
           </a:p>
@@ -3682,124 +3841,37 @@
         </p:nvSpPr>
         <p:spPr/>
         <p:txBody>
-          <a:bodyPr>
-            <a:normAutofit fontScale="77500" lnSpcReduction="20000"/>
-          </a:bodyPr>
-          <a:lstStyle/>
-          <a:p>
-            <a:r>
-              <a:rPr lang="en-US" dirty="0" smtClean="0"/>
-              <a:t>lift – lift a function into an arrow</a:t>
-            </a:r>
-          </a:p>
-          <a:p>
-            <a:pPr lvl="1"/>
-            <a:r>
-              <a:rPr lang="en-US" dirty="0" smtClean="0"/>
-              <a:t>Lifting allows us to write functions that are focused and specific, and compose those functions into more complex processes.</a:t>
-            </a:r>
-          </a:p>
-          <a:p>
-            <a:pPr lvl="1"/>
-            <a:r>
-              <a:rPr lang="en-US" dirty="0" smtClean="0"/>
-              <a:t>Brings the function into the world of arrow inputs and outputs</a:t>
-            </a:r>
-          </a:p>
-          <a:p>
-            <a:r>
-              <a:rPr lang="en-US" dirty="0" smtClean="0"/>
-              <a:t>&gt;&gt;&gt; (then, next, compose)</a:t>
-            </a:r>
-          </a:p>
-          <a:p>
-            <a:pPr lvl="1"/>
-            <a:r>
-              <a:rPr lang="en-US" dirty="0" smtClean="0"/>
-              <a:t>Compose Arrow a </a:t>
+          <a:bodyPr/>
+          <a:lstStyle/>
+          <a:p>
+            <a:r>
+              <a:rPr lang="en-US" dirty="0" smtClean="0"/>
+              <a:t>Fits well with </a:t>
             </a:r>
             <a:r>
               <a:rPr lang="en-US" dirty="0" err="1" smtClean="0"/>
-              <a:t>b</a:t>
-            </a:r>
-            <a:r>
-              <a:rPr lang="en-US" dirty="0" smtClean="0"/>
-              <a:t> -&gt; Arrow </a:t>
+              <a:t>nodejs</a:t>
+            </a:r>
+            <a:r>
+              <a:rPr lang="en-US" dirty="0" smtClean="0"/>
+              <a:t> </a:t>
             </a:r>
             <a:r>
               <a:rPr lang="en-US" dirty="0" err="1" smtClean="0"/>
-              <a:t>b</a:t>
-            </a:r>
-            <a:r>
-              <a:rPr lang="en-US" dirty="0" smtClean="0"/>
-              <a:t> </a:t>
-            </a:r>
-            <a:r>
-              <a:rPr lang="en-US" dirty="0" err="1" smtClean="0"/>
-              <a:t>c</a:t>
-            </a:r>
-            <a:r>
-              <a:rPr lang="en-US" dirty="0" smtClean="0"/>
-              <a:t> into Arrow a </a:t>
-            </a:r>
-            <a:r>
-              <a:rPr lang="en-US" dirty="0" err="1" smtClean="0"/>
-              <a:t>c</a:t>
+              <a:t>EventEmitter</a:t>
             </a:r>
             <a:endParaRPr lang="en-US" dirty="0" smtClean="0"/>
           </a:p>
           <a:p>
-            <a:pPr lvl="1"/>
-            <a:r>
-              <a:rPr lang="en-US" dirty="0" smtClean="0"/>
-              <a:t>Think of:  An arrow waits for an event (a = event name to wait for) produces event (</a:t>
-            </a:r>
-            <a:r>
-              <a:rPr lang="en-US" dirty="0" err="1" smtClean="0"/>
-              <a:t>b</a:t>
-            </a:r>
-            <a:r>
-              <a:rPr lang="en-US" dirty="0" smtClean="0"/>
-              <a:t> = event data) processes event (</a:t>
-            </a:r>
-            <a:r>
-              <a:rPr lang="en-US" dirty="0" err="1" smtClean="0"/>
-              <a:t>c</a:t>
-            </a:r>
-            <a:r>
-              <a:rPr lang="en-US" dirty="0" smtClean="0"/>
-              <a:t> = result of processing)</a:t>
-            </a:r>
-          </a:p>
-          <a:p>
-            <a:pPr lvl="1"/>
-            <a:r>
-              <a:rPr lang="en-US" dirty="0" smtClean="0"/>
-              <a:t>Please note that this is very specific about inputs and outputs</a:t>
-            </a:r>
-          </a:p>
-          <a:p>
-            <a:r>
-              <a:rPr lang="en-US" dirty="0" smtClean="0"/>
-              <a:t>&amp;&amp;&amp; (split, </a:t>
-            </a:r>
-            <a:r>
-              <a:rPr lang="en-US" dirty="0" err="1" smtClean="0"/>
-              <a:t>fanout</a:t>
-            </a:r>
-            <a:r>
-              <a:rPr lang="en-US" dirty="0" smtClean="0"/>
-              <a:t>)</a:t>
-            </a:r>
-          </a:p>
-          <a:p>
-            <a:r>
-              <a:rPr lang="en-US" dirty="0" smtClean="0"/>
-              <a:t>||| </a:t>
-            </a:r>
-            <a:r>
-              <a:rPr lang="en-US" dirty="0" smtClean="0"/>
-              <a:t>(or)</a:t>
+            <a:r>
+              <a:rPr lang="en-US" dirty="0" smtClean="0"/>
+              <a:t>Some stuff falls away (animation arrow, document element arrow, blah)</a:t>
+            </a:r>
+          </a:p>
+          <a:p>
+            <a:r>
+              <a:rPr lang="en-US" dirty="0" smtClean="0"/>
+              <a:t>Need some help</a:t>
             </a:r>
             <a:endParaRPr lang="en-US" dirty="0"/>
           </a:p>
@@ -3813,8 +3885,8 @@
 </p:sld>
 </file>
 
-<file path=ppt/slides/slide7.xml><?xml version="1.0" encoding="utf-8"?>
-<p:sld xmlns:a="http://schemas.openxmlformats.org/drawingml/2006/main" xmlns:r="http://schemas.openxmlformats.org/officeDocument/2006/relationships" xmlns:mc="http://schemas.openxmlformats.org/markup-compatibility/2006" xmlns:mv="urn:schemas-microsoft-com:mac:vml" xmlns:p="http://schemas.openxmlformats.org/presentationml/2006/main" mc:Ignorable="mv" mc:PreserveAttributes="mv:*">
+<file path=ppt/slides/slide2.xml><?xml version="1.0" encoding="utf-8"?>
+<p:sld xmlns:a="http://schemas.openxmlformats.org/drawingml/2006/main" xmlns:r="http://schemas.openxmlformats.org/officeDocument/2006/relationships" xmlns:p="http://schemas.openxmlformats.org/presentationml/2006/main">
   <p:cSld>
     <p:spTree>
       <p:nvGrpSpPr>
@@ -3846,119 +3918,92 @@
           <a:lstStyle/>
           <a:p>
             <a:r>
+              <a:rPr lang="en-US" dirty="0" smtClean="0"/>
+              <a:t>Motivation</a:t>
+            </a:r>
+            <a:endParaRPr lang="en-US" dirty="0"/>
+          </a:p>
+        </p:txBody>
+      </p:sp>
+      <p:sp>
+        <p:nvSpPr>
+          <p:cNvPr id="3" name="Content Placeholder 2"/>
+          <p:cNvSpPr>
+            <a:spLocks noGrp="1"/>
+          </p:cNvSpPr>
+          <p:nvPr>
+            <p:ph idx="1"/>
+          </p:nvPr>
+        </p:nvSpPr>
+        <p:spPr/>
+        <p:txBody>
+          <a:bodyPr/>
+          <a:lstStyle/>
+          <a:p>
+            <a:r>
               <a:rPr lang="en-US" dirty="0" err="1" smtClean="0"/>
-              <a:t>Arrowlets</a:t>
-            </a:r>
-            <a:endParaRPr lang="en-US" dirty="0"/>
-          </a:p>
-        </p:txBody>
-      </p:sp>
-      <p:sp>
-        <p:nvSpPr>
-          <p:cNvPr id="3" name="Content Placeholder 2"/>
-          <p:cNvSpPr>
-            <a:spLocks noGrp="1"/>
-          </p:cNvSpPr>
-          <p:nvPr>
-            <p:ph idx="1"/>
-          </p:nvPr>
-        </p:nvSpPr>
-        <p:spPr/>
-        <p:txBody>
-          <a:bodyPr>
-            <a:normAutofit fontScale="85000" lnSpcReduction="20000"/>
-          </a:bodyPr>
-          <a:lstStyle/>
-          <a:p>
-            <a:r>
-              <a:rPr lang="en-US" dirty="0" smtClean="0"/>
-              <a:t>Asynchronous Event Arrows</a:t>
-            </a:r>
-          </a:p>
-          <a:p>
-            <a:r>
-              <a:rPr lang="en-US" dirty="0" smtClean="0"/>
-              <a:t>Originally designed with browser UI in mind</a:t>
+              <a:t>Crockford’s</a:t>
+            </a:r>
+            <a:r>
+              <a:rPr lang="en-US" dirty="0" smtClean="0"/>
+              <a:t> Code Camp Session</a:t>
             </a:r>
           </a:p>
           <a:p>
             <a:pPr lvl="1"/>
             <a:r>
               <a:rPr lang="en-US" dirty="0" smtClean="0"/>
-              <a:t>Paper describes implementing drag and drop</a:t>
-            </a:r>
-          </a:p>
-          <a:p>
-            <a:r>
-              <a:rPr lang="en-US" dirty="0" smtClean="0"/>
-              <a:t>Asynchronous</a:t>
+              <a:t>Application-level functional programming</a:t>
             </a:r>
           </a:p>
           <a:p>
             <a:pPr lvl="1"/>
             <a:r>
               <a:rPr lang="en-US" dirty="0" smtClean="0"/>
-              <a:t>Lifted functions are </a:t>
-            </a:r>
-            <a:r>
-              <a:rPr lang="en-US" dirty="0" err="1" smtClean="0"/>
-              <a:t>thunked</a:t>
-            </a:r>
-            <a:r>
-              <a:rPr lang="en-US" dirty="0" smtClean="0"/>
-              <a:t> </a:t>
-            </a:r>
-            <a:r>
-              <a:rPr lang="en-US" dirty="0"/>
-              <a:t>(</a:t>
-            </a:r>
-            <a:r>
-              <a:rPr lang="en-US" dirty="0" smtClean="0"/>
-              <a:t>run asynchronously)</a:t>
-            </a:r>
-          </a:p>
-          <a:p>
-            <a:r>
-              <a:rPr lang="en-US" dirty="0" smtClean="0"/>
-              <a:t>Event</a:t>
+              <a:t>No libraries to recommend!</a:t>
+            </a:r>
+          </a:p>
+          <a:p>
+            <a:r>
+              <a:rPr lang="en-US" dirty="0" smtClean="0"/>
+              <a:t>Prototype Game Development</a:t>
             </a:r>
           </a:p>
           <a:p>
             <a:pPr lvl="1"/>
             <a:r>
               <a:rPr lang="en-US" dirty="0" smtClean="0"/>
-              <a:t>Designed to be used with document event handlers</a:t>
-            </a:r>
-          </a:p>
-          <a:p>
-            <a:r>
-              <a:rPr lang="en-US" dirty="0" smtClean="0"/>
-              <a:t>Arrows</a:t>
+              <a:t>Need interface to Web Audio API</a:t>
             </a:r>
           </a:p>
           <a:p>
             <a:pPr lvl="1"/>
             <a:r>
               <a:rPr lang="en-US" dirty="0" smtClean="0"/>
-              <a:t>Arrow composition allows complex state machines</a:t>
-            </a:r>
-          </a:p>
-          <a:p>
-            <a:r>
-              <a:rPr lang="en-US" dirty="0" smtClean="0"/>
-              <a:t>Cancelable</a:t>
+              <a:t>Game state machine development sucks</a:t>
+            </a:r>
+          </a:p>
+          <a:p>
+            <a:r>
+              <a:rPr lang="en-US" dirty="0" smtClean="0"/>
+              <a:t>What’s needed?</a:t>
             </a:r>
           </a:p>
           <a:p>
             <a:pPr lvl="1"/>
             <a:r>
               <a:rPr lang="en-US" dirty="0" smtClean="0"/>
-              <a:t>You can stop running arrows</a:t>
+              <a:t>An R&amp;D Vacation!</a:t>
             </a:r>
           </a:p>
         </p:txBody>
       </p:sp>
     </p:spTree>
+    <p:extLst>
+      <p:ext uri="{BB962C8B-B14F-4D97-AF65-F5344CB8AC3E}">
+        <p14:creationId xmlns:p14="http://schemas.microsoft.com/office/powerpoint/2010/main" val="1224456612"/>
+      </p:ext>
+    </p:extLst>
   </p:cSld>
   <p:clrMapOvr>
     <a:masterClrMapping/>
@@ -3966,8 +4011,8 @@
 </p:sld>
 </file>
 
-<file path=ppt/slides/slide8.xml><?xml version="1.0" encoding="utf-8"?>
-<p:sld xmlns:a="http://schemas.openxmlformats.org/drawingml/2006/main" xmlns:r="http://schemas.openxmlformats.org/officeDocument/2006/relationships" xmlns:mc="http://schemas.openxmlformats.org/markup-compatibility/2006" xmlns:mv="urn:schemas-microsoft-com:mac:vml" xmlns:p="http://schemas.openxmlformats.org/presentationml/2006/main" mc:Ignorable="mv" mc:PreserveAttributes="mv:*">
+<file path=ppt/slides/slide3.xml><?xml version="1.0" encoding="utf-8"?>
+<p:sld xmlns:a="http://schemas.openxmlformats.org/drawingml/2006/main" xmlns:r="http://schemas.openxmlformats.org/officeDocument/2006/relationships" xmlns:p="http://schemas.openxmlformats.org/presentationml/2006/main">
   <p:cSld>
     <p:spTree>
       <p:nvGrpSpPr>
@@ -4000,7 +4045,7 @@
           <a:p>
             <a:r>
               <a:rPr lang="en-US" dirty="0" smtClean="0"/>
-              <a:t>Who Thought of That?</a:t>
+              <a:t>Why a Monad?</a:t>
             </a:r>
             <a:endParaRPr lang="en-US" dirty="0"/>
           </a:p>
@@ -4018,96 +4063,117 @@
         </p:nvSpPr>
         <p:spPr/>
         <p:txBody>
-          <a:bodyPr/>
-          <a:lstStyle/>
-          <a:p>
+          <a:bodyPr>
+            <a:normAutofit fontScale="85000" lnSpcReduction="20000"/>
+          </a:bodyPr>
+          <a:lstStyle/>
+          <a:p>
+            <a:r>
+              <a:rPr lang="en-US" dirty="0" smtClean="0"/>
+              <a:t>Why use a monad?</a:t>
+            </a:r>
+          </a:p>
+          <a:p>
+            <a:pPr lvl="1"/>
+            <a:r>
+              <a:rPr lang="en-US" dirty="0" smtClean="0"/>
+              <a:t>Packaging</a:t>
+            </a:r>
+          </a:p>
+          <a:p>
+            <a:pPr lvl="1"/>
+            <a:r>
+              <a:rPr lang="en-US" dirty="0" smtClean="0"/>
+              <a:t>You </a:t>
+            </a:r>
+            <a:r>
+              <a:rPr lang="en-US" i="1" dirty="0" smtClean="0"/>
+              <a:t>like</a:t>
+            </a:r>
+            <a:r>
+              <a:rPr lang="en-US" dirty="0" smtClean="0"/>
+              <a:t> typing monad().this().that().then()</a:t>
+            </a:r>
+          </a:p>
+          <a:p>
+            <a:r>
+              <a:rPr lang="en-US" dirty="0" smtClean="0"/>
+              <a:t>Think of your monad as a package of functions that </a:t>
+            </a:r>
+            <a:r>
+              <a:rPr lang="en-US" i="1" dirty="0" smtClean="0"/>
+              <a:t>wrap</a:t>
+            </a:r>
+            <a:r>
+              <a:rPr lang="en-US" dirty="0" smtClean="0"/>
+              <a:t> and operate ‘over’ a value.</a:t>
+            </a:r>
+          </a:p>
+          <a:p>
+            <a:r>
+              <a:rPr lang="en-US" dirty="0" smtClean="0"/>
+              <a:t>In “Monads and Gonads” </a:t>
+            </a:r>
             <a:r>
               <a:rPr lang="en-US" dirty="0" err="1" smtClean="0"/>
-              <a:t>Khoo</a:t>
-            </a:r>
-            <a:r>
-              <a:rPr lang="en-US" dirty="0" smtClean="0"/>
-              <a:t> </a:t>
-            </a:r>
-            <a:r>
-              <a:rPr lang="en-US" dirty="0" err="1" smtClean="0"/>
-              <a:t>Yit</a:t>
-            </a:r>
-            <a:r>
-              <a:rPr lang="en-US" dirty="0" smtClean="0"/>
-              <a:t> </a:t>
-            </a:r>
-            <a:r>
-              <a:rPr lang="en-US" dirty="0" err="1" smtClean="0"/>
-              <a:t>Phang</a:t>
-            </a:r>
-            <a:r>
-              <a:rPr lang="en-US" dirty="0" smtClean="0"/>
-              <a:t>, Michael Hicks, Jeffrey S. Foster and </a:t>
-            </a:r>
-            <a:r>
-              <a:rPr lang="en-US" dirty="0" err="1" smtClean="0"/>
-              <a:t>Vibha</a:t>
-            </a:r>
-            <a:r>
-              <a:rPr lang="en-US" dirty="0" smtClean="0"/>
-              <a:t> </a:t>
-            </a:r>
-            <a:r>
-              <a:rPr lang="en-US" dirty="0" err="1" smtClean="0"/>
-              <a:t>Sazawal</a:t>
-            </a:r>
-            <a:r>
-              <a:rPr lang="en-US" dirty="0" smtClean="0"/>
-              <a:t>. University of Maryland, Department of Computer Science. June 2009.</a:t>
-            </a:r>
-          </a:p>
-          <a:p>
-            <a:r>
-              <a:rPr lang="en-US" dirty="0" smtClean="0">
-                <a:hlinkClick r:id="rId2"/>
-              </a:rPr>
-              <a:t>http://www.cs.umd.edu/projects/PL/arrowlets/index.xhtml</a:t>
-            </a:r>
-            <a:endParaRPr lang="en-US" dirty="0" smtClean="0"/>
-          </a:p>
-          <a:p>
-            <a:r>
-              <a:rPr lang="en-US" dirty="0" err="1" smtClean="0"/>
-              <a:t>Arrowlets</a:t>
-            </a:r>
-            <a:r>
-              <a:rPr lang="en-US" dirty="0" smtClean="0"/>
-              <a:t> library was further developed by </a:t>
-            </a:r>
-            <a:r>
-              <a:rPr lang="en-US" dirty="0" err="1" smtClean="0"/>
-              <a:t>Khoo</a:t>
-            </a:r>
-            <a:r>
-              <a:rPr lang="en-US" dirty="0" smtClean="0"/>
-              <a:t> </a:t>
-            </a:r>
-            <a:r>
-              <a:rPr lang="en-US" dirty="0" err="1" smtClean="0"/>
-              <a:t>Yit</a:t>
-            </a:r>
-            <a:r>
-              <a:rPr lang="en-US" dirty="0" smtClean="0"/>
-              <a:t> </a:t>
-            </a:r>
-            <a:r>
-              <a:rPr lang="en-US" dirty="0" err="1" smtClean="0"/>
-              <a:t>Phang</a:t>
-            </a:r>
-            <a:endParaRPr lang="en-US" dirty="0" smtClean="0"/>
-          </a:p>
-          <a:p>
+              <a:t>Crockford</a:t>
+            </a:r>
+            <a:r>
+              <a:rPr lang="en-US" dirty="0" smtClean="0"/>
+              <a:t> says, “a monad is an object…that’s it…that really is it.”</a:t>
+            </a:r>
+          </a:p>
+          <a:p>
+            <a:r>
+              <a:rPr lang="en-US" dirty="0" smtClean="0"/>
+              <a:t>Decisions you have to make:</a:t>
+            </a:r>
+          </a:p>
+          <a:p>
+            <a:pPr lvl="1"/>
+            <a:r>
+              <a:rPr lang="en-US" dirty="0" smtClean="0"/>
+              <a:t>What’s the </a:t>
+            </a:r>
+            <a:r>
+              <a:rPr lang="en-US" i="1" dirty="0" smtClean="0"/>
+              <a:t>value</a:t>
+            </a:r>
+            <a:r>
+              <a:rPr lang="en-US" dirty="0" smtClean="0"/>
+              <a:t>?</a:t>
+            </a:r>
+          </a:p>
+          <a:p>
+            <a:pPr lvl="1"/>
+            <a:r>
+              <a:rPr lang="en-US" dirty="0" smtClean="0"/>
+              <a:t>Am I always reproducing the value?</a:t>
+            </a:r>
+          </a:p>
+          <a:p>
+            <a:pPr lvl="1"/>
+            <a:r>
+              <a:rPr lang="en-US" dirty="0" smtClean="0"/>
+              <a:t>How deeply do I clone structures?</a:t>
+            </a:r>
+          </a:p>
+          <a:p>
+            <a:pPr lvl="1"/>
+            <a:r>
+              <a:rPr lang="en-US" dirty="0" smtClean="0"/>
+              <a:t>These are decision you need to make anyway!</a:t>
+            </a:r>
             <a:endParaRPr lang="en-US" dirty="0"/>
           </a:p>
         </p:txBody>
       </p:sp>
     </p:spTree>
+    <p:extLst>
+      <p:ext uri="{BB962C8B-B14F-4D97-AF65-F5344CB8AC3E}">
+        <p14:creationId xmlns:p14="http://schemas.microsoft.com/office/powerpoint/2010/main" val="665702065"/>
+      </p:ext>
+    </p:extLst>
   </p:cSld>
   <p:clrMapOvr>
     <a:masterClrMapping/>
@@ -4115,8 +4181,8 @@
 </p:sld>
 </file>
 
-<file path=ppt/slides/slide9.xml><?xml version="1.0" encoding="utf-8"?>
-<p:sld xmlns:a="http://schemas.openxmlformats.org/drawingml/2006/main" xmlns:r="http://schemas.openxmlformats.org/officeDocument/2006/relationships" xmlns:mc="http://schemas.openxmlformats.org/markup-compatibility/2006" xmlns:mv="urn:schemas-microsoft-com:mac:vml" xmlns:p="http://schemas.openxmlformats.org/presentationml/2006/main" mc:Ignorable="mv" mc:PreserveAttributes="mv:*">
+<file path=ppt/slides/slide4.xml><?xml version="1.0" encoding="utf-8"?>
+<p:sld xmlns:a="http://schemas.openxmlformats.org/drawingml/2006/main" xmlns:r="http://schemas.openxmlformats.org/officeDocument/2006/relationships" xmlns:p="http://schemas.openxmlformats.org/presentationml/2006/main">
   <p:cSld>
     <p:spTree>
       <p:nvGrpSpPr>
@@ -4149,20 +4215,231 @@
           <a:p>
             <a:r>
               <a:rPr lang="en-US" dirty="0" err="1" smtClean="0"/>
-              <a:t>Arrowlets</a:t>
-            </a:r>
-            <a:r>
-              <a:rPr lang="en-US" dirty="0" smtClean="0"/>
-              <a:t> with </a:t>
-            </a:r>
+              <a:t>Crockford’s</a:t>
+            </a:r>
+            <a:r>
+              <a:rPr lang="en-US" dirty="0" smtClean="0"/>
+              <a:t> Monad</a:t>
+            </a:r>
+            <a:endParaRPr lang="en-US" dirty="0"/>
+          </a:p>
+        </p:txBody>
+      </p:sp>
+      <p:sp>
+        <p:nvSpPr>
+          <p:cNvPr id="3" name="Content Placeholder 2"/>
+          <p:cNvSpPr>
+            <a:spLocks noGrp="1"/>
+          </p:cNvSpPr>
+          <p:nvPr>
+            <p:ph idx="1"/>
+          </p:nvPr>
+        </p:nvSpPr>
+        <p:spPr/>
+        <p:txBody>
+          <a:bodyPr/>
+          <a:lstStyle/>
+          <a:p>
+            <a:r>
+              <a:rPr lang="en-US" dirty="0" smtClean="0"/>
+              <a:t>From “Monads and Gonads”</a:t>
+            </a:r>
+          </a:p>
+          <a:p>
+            <a:r>
+              <a:rPr lang="en-US" dirty="0" smtClean="0"/>
+              <a:t>Seems like an application-ready ‘library’</a:t>
+            </a:r>
+          </a:p>
+          <a:p>
+            <a:r>
+              <a:rPr lang="en-US" dirty="0" smtClean="0"/>
+              <a:t>Let’s take a look</a:t>
+            </a:r>
+            <a:endParaRPr lang="en-US" dirty="0"/>
+          </a:p>
+        </p:txBody>
+      </p:sp>
+    </p:spTree>
+    <p:extLst>
+      <p:ext uri="{BB962C8B-B14F-4D97-AF65-F5344CB8AC3E}">
+        <p14:creationId xmlns:p14="http://schemas.microsoft.com/office/powerpoint/2010/main" val="2755525844"/>
+      </p:ext>
+    </p:extLst>
+  </p:cSld>
+  <p:clrMapOvr>
+    <a:masterClrMapping/>
+  </p:clrMapOvr>
+</p:sld>
+</file>
+
+<file path=ppt/slides/slide5.xml><?xml version="1.0" encoding="utf-8"?>
+<p:sld xmlns:a="http://schemas.openxmlformats.org/drawingml/2006/main" xmlns:r="http://schemas.openxmlformats.org/officeDocument/2006/relationships" xmlns:p="http://schemas.openxmlformats.org/presentationml/2006/main">
+  <p:cSld>
+    <p:spTree>
+      <p:nvGrpSpPr>
+        <p:cNvPr id="1" name=""/>
+        <p:cNvGrpSpPr/>
+        <p:nvPr/>
+      </p:nvGrpSpPr>
+      <p:grpSpPr>
+        <a:xfrm>
+          <a:off x="0" y="0"/>
+          <a:ext cx="0" cy="0"/>
+          <a:chOff x="0" y="0"/>
+          <a:chExt cx="0" cy="0"/>
+        </a:xfrm>
+      </p:grpSpPr>
+      <p:sp>
+        <p:nvSpPr>
+          <p:cNvPr id="2" name="Title 1"/>
+          <p:cNvSpPr>
+            <a:spLocks noGrp="1"/>
+          </p:cNvSpPr>
+          <p:nvPr>
+            <p:ph type="title"/>
+          </p:nvPr>
+        </p:nvSpPr>
+        <p:spPr/>
+        <p:txBody>
+          <a:bodyPr/>
+          <a:lstStyle/>
+          <a:p>
+            <a:r>
+              <a:rPr lang="en-US" dirty="0" smtClean="0"/>
+              <a:t>An Audio Monad</a:t>
+            </a:r>
+            <a:endParaRPr lang="en-US" dirty="0"/>
+          </a:p>
+        </p:txBody>
+      </p:sp>
+      <p:sp>
+        <p:nvSpPr>
+          <p:cNvPr id="3" name="Content Placeholder 2"/>
+          <p:cNvSpPr>
+            <a:spLocks noGrp="1"/>
+          </p:cNvSpPr>
+          <p:nvPr>
+            <p:ph idx="1"/>
+          </p:nvPr>
+        </p:nvSpPr>
+        <p:spPr/>
+        <p:txBody>
+          <a:bodyPr>
+            <a:normAutofit lnSpcReduction="10000"/>
+          </a:bodyPr>
+          <a:lstStyle/>
+          <a:p>
+            <a:r>
+              <a:rPr lang="en-US" dirty="0" smtClean="0"/>
+              <a:t>Contains sound ‘data URI’ conversion</a:t>
+            </a:r>
+          </a:p>
+          <a:p>
+            <a:r>
+              <a:rPr lang="en-US" dirty="0" smtClean="0"/>
+              <a:t>Loads sounds</a:t>
+            </a:r>
+          </a:p>
+          <a:p>
+            <a:r>
+              <a:rPr lang="en-US" dirty="0" smtClean="0"/>
+              <a:t>Tags sounds with names</a:t>
+            </a:r>
+          </a:p>
+          <a:p>
+            <a:r>
+              <a:rPr lang="en-US" dirty="0" smtClean="0"/>
+              <a:t>Copy audio buffers between monads</a:t>
+            </a:r>
+          </a:p>
+          <a:p>
+            <a:r>
+              <a:rPr lang="en-US" dirty="0" smtClean="0"/>
+              <a:t>Plays ‘one-shot’ audio clips</a:t>
+            </a:r>
+            <a:endParaRPr lang="en-US" dirty="0"/>
+          </a:p>
+          <a:p>
+            <a:r>
+              <a:rPr lang="en-US" dirty="0" smtClean="0"/>
+              <a:t>Where I’m going with it</a:t>
+            </a:r>
+          </a:p>
+          <a:p>
+            <a:pPr lvl="1"/>
             <a:r>
               <a:rPr lang="en-US" dirty="0" err="1" smtClean="0"/>
-              <a:t>Nodejs</a:t>
+              <a:t>Spatialized</a:t>
+            </a:r>
+            <a:r>
+              <a:rPr lang="en-US" dirty="0" smtClean="0"/>
+              <a:t> 2D Audio</a:t>
+            </a:r>
+          </a:p>
+          <a:p>
+            <a:pPr lvl="1"/>
+            <a:r>
+              <a:rPr lang="en-US" dirty="0" smtClean="0"/>
+              <a:t>Panning, fading</a:t>
             </a:r>
             <a:endParaRPr lang="en-US" dirty="0"/>
           </a:p>
         </p:txBody>
       </p:sp>
+    </p:spTree>
+    <p:extLst>
+      <p:ext uri="{BB962C8B-B14F-4D97-AF65-F5344CB8AC3E}">
+        <p14:creationId xmlns:p14="http://schemas.microsoft.com/office/powerpoint/2010/main" val="107356628"/>
+      </p:ext>
+    </p:extLst>
+  </p:cSld>
+  <p:clrMapOvr>
+    <a:masterClrMapping/>
+  </p:clrMapOvr>
+</p:sld>
+</file>
+
+<file path=ppt/slides/slide6.xml><?xml version="1.0" encoding="utf-8"?>
+<p:sld xmlns:a="http://schemas.openxmlformats.org/drawingml/2006/main" xmlns:r="http://schemas.openxmlformats.org/officeDocument/2006/relationships" xmlns:p="http://schemas.openxmlformats.org/presentationml/2006/main">
+  <p:cSld>
+    <p:spTree>
+      <p:nvGrpSpPr>
+        <p:cNvPr id="1" name=""/>
+        <p:cNvGrpSpPr/>
+        <p:nvPr/>
+      </p:nvGrpSpPr>
+      <p:grpSpPr>
+        <a:xfrm>
+          <a:off x="0" y="0"/>
+          <a:ext cx="0" cy="0"/>
+          <a:chOff x="0" y="0"/>
+          <a:chExt cx="0" cy="0"/>
+        </a:xfrm>
+      </p:grpSpPr>
+      <p:sp>
+        <p:nvSpPr>
+          <p:cNvPr id="2" name="Title 1"/>
+          <p:cNvSpPr>
+            <a:spLocks noGrp="1"/>
+          </p:cNvSpPr>
+          <p:nvPr>
+            <p:ph type="title"/>
+          </p:nvPr>
+        </p:nvSpPr>
+        <p:spPr/>
+        <p:txBody>
+          <a:bodyPr/>
+          <a:lstStyle/>
+          <a:p>
+            <a:r>
+              <a:rPr lang="en-US" dirty="0" smtClean="0"/>
+              <a:t>Audio Monad ‘one-shot’</a:t>
+            </a:r>
+            <a:endParaRPr lang="en-US" dirty="0"/>
+          </a:p>
+        </p:txBody>
+      </p:sp>
       <p:sp>
         <p:nvSpPr>
           <p:cNvPr id="3" name="Content Placeholder 2"/>
@@ -4173,40 +4450,513 @@
             <p:ph idx="1"/>
           </p:nvPr>
         </p:nvSpPr>
-        <p:spPr/>
-        <p:txBody>
-          <a:bodyPr/>
-          <a:lstStyle/>
-          <a:p>
-            <a:r>
-              <a:rPr lang="en-US" dirty="0" smtClean="0"/>
-              <a:t>Fits well with </a:t>
+        <p:spPr>
+          <a:xfrm>
+            <a:off x="457200" y="1600200"/>
+            <a:ext cx="8521700" cy="4525963"/>
+          </a:xfrm>
+        </p:spPr>
+        <p:txBody>
+          <a:bodyPr>
+            <a:normAutofit lnSpcReduction="10000"/>
+          </a:bodyPr>
+          <a:lstStyle/>
+          <a:p>
+            <a:pPr marL="0" indent="0">
+              <a:buNone/>
+            </a:pPr>
+            <a:r>
+              <a:rPr lang="en-US" sz="2800" dirty="0" smtClean="0"/>
+              <a:t>// handle a message from the game server to play </a:t>
+            </a:r>
+          </a:p>
+          <a:p>
+            <a:pPr marL="0" indent="0">
+              <a:buNone/>
+            </a:pPr>
+            <a:r>
+              <a:rPr lang="en-US" sz="2800" dirty="0" smtClean="0"/>
+              <a:t>// </a:t>
+            </a:r>
+            <a:r>
+              <a:rPr lang="en-US" sz="2800" smtClean="0"/>
+              <a:t>a sound</a:t>
+            </a:r>
+          </a:p>
+          <a:p>
+            <a:pPr marL="0" indent="0">
+              <a:buNone/>
+            </a:pPr>
+            <a:r>
+              <a:rPr lang="en-US" sz="2800" smtClean="0"/>
+              <a:t>socket.on</a:t>
+            </a:r>
+            <a:r>
+              <a:rPr lang="en-US" sz="2800" dirty="0"/>
+              <a:t>('one-shot-sound', function (sound) {</a:t>
+            </a:r>
+          </a:p>
+          <a:p>
+            <a:pPr marL="0" indent="0">
+              <a:buNone/>
+            </a:pPr>
+            <a:r>
+              <a:rPr lang="en-US" sz="2800" dirty="0"/>
+              <a:t>	// create and play</a:t>
+            </a:r>
+          </a:p>
+          <a:p>
+            <a:pPr marL="0" indent="0">
+              <a:buNone/>
+            </a:pPr>
+            <a:r>
+              <a:rPr lang="en-US" sz="2800" dirty="0"/>
+              <a:t>	</a:t>
+            </a:r>
+            <a:r>
+              <a:rPr lang="en-US" sz="2800" dirty="0" err="1"/>
+              <a:t>var</a:t>
+            </a:r>
+            <a:r>
+              <a:rPr lang="en-US" sz="2800" dirty="0"/>
+              <a:t> am = </a:t>
+            </a:r>
+            <a:r>
+              <a:rPr lang="en-US" sz="2800" dirty="0" err="1"/>
+              <a:t>audioMonad</a:t>
+            </a:r>
+            <a:r>
+              <a:rPr lang="en-US" sz="2800" dirty="0"/>
+              <a:t>()</a:t>
+            </a:r>
+          </a:p>
+          <a:p>
+            <a:pPr marL="0" indent="0">
+              <a:buNone/>
+            </a:pPr>
+            <a:r>
+              <a:rPr lang="en-US" sz="2800" dirty="0"/>
+              <a:t>			.</a:t>
+            </a:r>
+            <a:r>
+              <a:rPr lang="en-US" sz="2800" dirty="0" err="1"/>
+              <a:t>masterGain</a:t>
+            </a:r>
+            <a:r>
+              <a:rPr lang="en-US" sz="2800" dirty="0"/>
+              <a:t>(</a:t>
+            </a:r>
+            <a:r>
+              <a:rPr lang="en-US" sz="2800" dirty="0" err="1"/>
+              <a:t>sound.gain</a:t>
+            </a:r>
+            <a:r>
+              <a:rPr lang="en-US" sz="2800" dirty="0"/>
+              <a:t>)</a:t>
+            </a:r>
+          </a:p>
+          <a:p>
+            <a:pPr marL="0" indent="0">
+              <a:buNone/>
+            </a:pPr>
+            <a:r>
+              <a:rPr lang="en-US" sz="2800" dirty="0"/>
+              <a:t>		</a:t>
+            </a:r>
+            <a:r>
+              <a:rPr lang="en-US" sz="2800" dirty="0" smtClean="0"/>
+              <a:t>	.</a:t>
+            </a:r>
+            <a:r>
+              <a:rPr lang="en-US" sz="2800" dirty="0" err="1"/>
+              <a:t>setAudioBuffers</a:t>
+            </a:r>
+            <a:r>
+              <a:rPr lang="en-US" sz="2800" dirty="0"/>
+              <a:t>(</a:t>
+            </a:r>
+            <a:r>
+              <a:rPr lang="en-US" sz="2800" dirty="0" err="1"/>
+              <a:t>loadAudio.getAudioBuffers</a:t>
+            </a:r>
+            <a:r>
+              <a:rPr lang="en-US" sz="2800" dirty="0"/>
+              <a:t>())</a:t>
+            </a:r>
+          </a:p>
+          <a:p>
+            <a:pPr marL="0" indent="0">
+              <a:buNone/>
+            </a:pPr>
+            <a:r>
+              <a:rPr lang="en-US" sz="2800" dirty="0"/>
+              <a:t>			.play(sound.name);</a:t>
+            </a:r>
+          </a:p>
+          <a:p>
+            <a:pPr marL="0" indent="0">
+              <a:buNone/>
+            </a:pPr>
+            <a:r>
+              <a:rPr lang="en-US" sz="2800" dirty="0" smtClean="0"/>
+              <a:t>});</a:t>
+            </a:r>
+            <a:endParaRPr lang="en-US" sz="2800" dirty="0"/>
+          </a:p>
+        </p:txBody>
+      </p:sp>
+    </p:spTree>
+    <p:extLst>
+      <p:ext uri="{BB962C8B-B14F-4D97-AF65-F5344CB8AC3E}">
+        <p14:creationId xmlns:p14="http://schemas.microsoft.com/office/powerpoint/2010/main" val="3541115145"/>
+      </p:ext>
+    </p:extLst>
+  </p:cSld>
+  <p:clrMapOvr>
+    <a:masterClrMapping/>
+  </p:clrMapOvr>
+</p:sld>
+</file>
+
+<file path=ppt/slides/slide7.xml><?xml version="1.0" encoding="utf-8"?>
+<p:sld xmlns:a="http://schemas.openxmlformats.org/drawingml/2006/main" xmlns:r="http://schemas.openxmlformats.org/officeDocument/2006/relationships" xmlns:p="http://schemas.openxmlformats.org/presentationml/2006/main">
+  <p:cSld>
+    <p:spTree>
+      <p:nvGrpSpPr>
+        <p:cNvPr id="1" name=""/>
+        <p:cNvGrpSpPr/>
+        <p:nvPr/>
+      </p:nvGrpSpPr>
+      <p:grpSpPr>
+        <a:xfrm>
+          <a:off x="0" y="0"/>
+          <a:ext cx="0" cy="0"/>
+          <a:chOff x="0" y="0"/>
+          <a:chExt cx="0" cy="0"/>
+        </a:xfrm>
+      </p:grpSpPr>
+      <p:sp>
+        <p:nvSpPr>
+          <p:cNvPr id="2" name="Title 1"/>
+          <p:cNvSpPr>
+            <a:spLocks noGrp="1"/>
+          </p:cNvSpPr>
+          <p:nvPr>
+            <p:ph type="title"/>
+          </p:nvPr>
+        </p:nvSpPr>
+        <p:spPr/>
+        <p:txBody>
+          <a:bodyPr/>
+          <a:lstStyle/>
+          <a:p>
+            <a:r>
+              <a:rPr lang="en-US" dirty="0" smtClean="0"/>
+              <a:t>Why </a:t>
+            </a:r>
+            <a:r>
+              <a:rPr lang="en-US" dirty="0" smtClean="0"/>
+              <a:t>an Arrow?</a:t>
+            </a:r>
+            <a:endParaRPr lang="en-US" dirty="0"/>
+          </a:p>
+        </p:txBody>
+      </p:sp>
+      <p:sp>
+        <p:nvSpPr>
+          <p:cNvPr id="3" name="Content Placeholder 2"/>
+          <p:cNvSpPr>
+            <a:spLocks noGrp="1"/>
+          </p:cNvSpPr>
+          <p:nvPr>
+            <p:ph idx="1"/>
+          </p:nvPr>
+        </p:nvSpPr>
+        <p:spPr/>
+        <p:txBody>
+          <a:bodyPr>
+            <a:normAutofit fontScale="92500" lnSpcReduction="10000"/>
+          </a:bodyPr>
+          <a:lstStyle/>
+          <a:p>
+            <a:r>
+              <a:rPr lang="en-US" dirty="0"/>
+              <a:t>T</a:t>
+            </a:r>
+            <a:r>
+              <a:rPr lang="en-US" dirty="0" smtClean="0"/>
+              <a:t>he monadic interface </a:t>
             </a:r>
             <a:r>
               <a:rPr lang="en-US" dirty="0" err="1" smtClean="0"/>
-              <a:t>nodejs</a:t>
-            </a:r>
-            <a:r>
-              <a:rPr lang="en-US" dirty="0" smtClean="0"/>
+              <a:t>suﬀers</a:t>
+            </a:r>
+            <a:r>
+              <a:rPr lang="en-US" dirty="0" smtClean="0"/>
+              <a:t> a rather severe restriction. While a monadic program can produce its output in many </a:t>
+            </a:r>
+            <a:r>
+              <a:rPr lang="en-US" dirty="0" err="1" smtClean="0"/>
+              <a:t>diﬀerent</a:t>
+            </a:r>
+            <a:r>
+              <a:rPr lang="en-US" dirty="0" smtClean="0"/>
+              <a:t> ways — perhaps not at all (the Maybe monad) […]— it takes its input in just one way: via the parameters of a function.</a:t>
+            </a:r>
+          </a:p>
+          <a:p>
+            <a:r>
+              <a:rPr lang="en-US" dirty="0" smtClean="0"/>
+              <a:t>-Hughes, John, “Programming with Arrows”</a:t>
+            </a:r>
+          </a:p>
+          <a:p>
+            <a:r>
+              <a:rPr lang="en-US" dirty="0" smtClean="0"/>
+              <a:t>Let’s avoid passing state to functions (to simplify our functions) and let the arrows move the state around.</a:t>
+            </a:r>
+            <a:endParaRPr lang="en-US" dirty="0"/>
+          </a:p>
+        </p:txBody>
+      </p:sp>
+    </p:spTree>
+  </p:cSld>
+  <p:clrMapOvr>
+    <a:masterClrMapping/>
+  </p:clrMapOvr>
+</p:sld>
+</file>
+
+<file path=ppt/slides/slide8.xml><?xml version="1.0" encoding="utf-8"?>
+<p:sld xmlns:a="http://schemas.openxmlformats.org/drawingml/2006/main" xmlns:r="http://schemas.openxmlformats.org/officeDocument/2006/relationships" xmlns:p="http://schemas.openxmlformats.org/presentationml/2006/main">
+  <p:cSld>
+    <p:spTree>
+      <p:nvGrpSpPr>
+        <p:cNvPr id="1" name=""/>
+        <p:cNvGrpSpPr/>
+        <p:nvPr/>
+      </p:nvGrpSpPr>
+      <p:grpSpPr>
+        <a:xfrm>
+          <a:off x="0" y="0"/>
+          <a:ext cx="0" cy="0"/>
+          <a:chOff x="0" y="0"/>
+          <a:chExt cx="0" cy="0"/>
+        </a:xfrm>
+      </p:grpSpPr>
+      <p:sp>
+        <p:nvSpPr>
+          <p:cNvPr id="2" name="Title 1"/>
+          <p:cNvSpPr>
+            <a:spLocks noGrp="1"/>
+          </p:cNvSpPr>
+          <p:nvPr>
+            <p:ph type="title"/>
+          </p:nvPr>
+        </p:nvSpPr>
+        <p:spPr/>
+        <p:txBody>
+          <a:bodyPr/>
+          <a:lstStyle/>
+          <a:p>
+            <a:r>
+              <a:rPr lang="en-US" dirty="0" smtClean="0"/>
+              <a:t>Why arrows?</a:t>
+            </a:r>
+            <a:endParaRPr lang="en-US" dirty="0"/>
+          </a:p>
+        </p:txBody>
+      </p:sp>
+      <p:sp>
+        <p:nvSpPr>
+          <p:cNvPr id="3" name="Content Placeholder 2"/>
+          <p:cNvSpPr>
+            <a:spLocks noGrp="1"/>
+          </p:cNvSpPr>
+          <p:nvPr>
+            <p:ph idx="1"/>
+          </p:nvPr>
+        </p:nvSpPr>
+        <p:spPr/>
+        <p:txBody>
+          <a:bodyPr>
+            <a:normAutofit fontScale="92500" lnSpcReduction="20000"/>
+          </a:bodyPr>
+          <a:lstStyle/>
+          <a:p>
+            <a:r>
+              <a:rPr lang="en-US" dirty="0" smtClean="0"/>
+              <a:t>Arrows thus </a:t>
+            </a:r>
+            <a:r>
+              <a:rPr lang="en-US" dirty="0" err="1" smtClean="0"/>
+              <a:t>oﬀer</a:t>
+            </a:r>
+            <a:r>
+              <a:rPr lang="en-US" dirty="0" smtClean="0"/>
+              <a:t> a competing way to represent computations in Haskell.</a:t>
+            </a:r>
+            <a:r>
+              <a:rPr lang="en-US" dirty="0"/>
               <a:t> </a:t>
             </a:r>
             <a:r>
+              <a:rPr lang="en-US" dirty="0" smtClean="0"/>
+              <a:t>But their purpose is not to replace monads, it is to bring the </a:t>
+            </a:r>
+            <a:r>
               <a:rPr lang="en-US" dirty="0" err="1" smtClean="0"/>
-              <a:t>EventEmitter</a:t>
+              <a:t>beneﬁts</a:t>
+            </a:r>
+            <a:r>
+              <a:rPr lang="en-US" dirty="0" smtClean="0"/>
+              <a:t> of a shared interface […] to a wider class of computations than monads can </a:t>
+            </a:r>
+            <a:r>
+              <a:rPr lang="en-US" dirty="0" err="1" smtClean="0"/>
+              <a:t>accomodate</a:t>
+            </a:r>
+            <a:r>
+              <a:rPr lang="en-US" dirty="0" smtClean="0"/>
+              <a:t>. And in practice, </a:t>
+            </a:r>
+            <a:r>
+              <a:rPr lang="en-US" i="1" dirty="0" smtClean="0"/>
+              <a:t>this often means computations that represent processes.</a:t>
             </a:r>
             <a:endParaRPr lang="en-US" dirty="0" smtClean="0"/>
           </a:p>
           <a:p>
             <a:r>
               <a:rPr lang="en-US" dirty="0" smtClean="0"/>
-              <a:t>Some stuff falls away (animation arrow, document element arrow, blah)</a:t>
-            </a:r>
-          </a:p>
-          <a:p>
-            <a:r>
-              <a:rPr lang="en-US" dirty="0" smtClean="0"/>
-              <a:t>Need some help</a:t>
-            </a:r>
+              <a:t>Games have state machines, which represent processes. Is there a good match between Arrow composition and simplifying the construction of state machines?</a:t>
+            </a:r>
+            <a:endParaRPr lang="en-US" dirty="0"/>
+          </a:p>
+        </p:txBody>
+      </p:sp>
+    </p:spTree>
+  </p:cSld>
+  <p:clrMapOvr>
+    <a:masterClrMapping/>
+  </p:clrMapOvr>
+</p:sld>
+</file>
+
+<file path=ppt/slides/slide9.xml><?xml version="1.0" encoding="utf-8"?>
+<p:sld xmlns:a="http://schemas.openxmlformats.org/drawingml/2006/main" xmlns:r="http://schemas.openxmlformats.org/officeDocument/2006/relationships" xmlns:p="http://schemas.openxmlformats.org/presentationml/2006/main">
+  <p:cSld>
+    <p:spTree>
+      <p:nvGrpSpPr>
+        <p:cNvPr id="1" name=""/>
+        <p:cNvGrpSpPr/>
+        <p:nvPr/>
+      </p:nvGrpSpPr>
+      <p:grpSpPr>
+        <a:xfrm>
+          <a:off x="0" y="0"/>
+          <a:ext cx="0" cy="0"/>
+          <a:chOff x="0" y="0"/>
+          <a:chExt cx="0" cy="0"/>
+        </a:xfrm>
+      </p:grpSpPr>
+      <p:sp>
+        <p:nvSpPr>
+          <p:cNvPr id="2" name="Title 1"/>
+          <p:cNvSpPr>
+            <a:spLocks noGrp="1"/>
+          </p:cNvSpPr>
+          <p:nvPr>
+            <p:ph type="title"/>
+          </p:nvPr>
+        </p:nvSpPr>
+        <p:spPr/>
+        <p:txBody>
+          <a:bodyPr/>
+          <a:lstStyle/>
+          <a:p>
+            <a:r>
+              <a:rPr lang="en-US" dirty="0" smtClean="0"/>
+              <a:t>Arrows Are</a:t>
+            </a:r>
+            <a:endParaRPr lang="en-US" dirty="0"/>
+          </a:p>
+        </p:txBody>
+      </p:sp>
+      <p:sp>
+        <p:nvSpPr>
+          <p:cNvPr id="3" name="Content Placeholder 2"/>
+          <p:cNvSpPr>
+            <a:spLocks noGrp="1"/>
+          </p:cNvSpPr>
+          <p:nvPr>
+            <p:ph idx="1"/>
+          </p:nvPr>
+        </p:nvSpPr>
+        <p:spPr/>
+        <p:txBody>
+          <a:bodyPr>
+            <a:normAutofit fontScale="92500" lnSpcReduction="20000"/>
+          </a:bodyPr>
+          <a:lstStyle/>
+          <a:p>
+            <a:r>
+              <a:rPr lang="en-US" dirty="0" smtClean="0"/>
+              <a:t>From and to</a:t>
+            </a:r>
+          </a:p>
+          <a:p>
+            <a:pPr lvl="1"/>
+            <a:r>
+              <a:rPr lang="en-US" dirty="0" smtClean="0"/>
+              <a:t>Unlike monads, arrows are explicit about the form of the input. In </a:t>
+            </a:r>
+            <a:r>
+              <a:rPr lang="en-US" dirty="0" err="1" smtClean="0"/>
+              <a:t>Javascipt</a:t>
+            </a:r>
+            <a:r>
+              <a:rPr lang="en-US" dirty="0" smtClean="0"/>
+              <a:t>, of course they are not explicit about the </a:t>
+            </a:r>
+            <a:r>
+              <a:rPr lang="en-US" i="1" dirty="0" smtClean="0"/>
+              <a:t>type</a:t>
+            </a:r>
+            <a:r>
+              <a:rPr lang="en-US" dirty="0" smtClean="0"/>
+              <a:t> of the input.</a:t>
+            </a:r>
+          </a:p>
+          <a:p>
+            <a:pPr lvl="1"/>
+            <a:r>
+              <a:rPr lang="en-US" dirty="0" smtClean="0"/>
+              <a:t>You spend </a:t>
+            </a:r>
+            <a:r>
+              <a:rPr lang="en-US" i="1" dirty="0" smtClean="0"/>
+              <a:t>a lot of time thinking about inputs and outputs</a:t>
+            </a:r>
+            <a:r>
+              <a:rPr lang="en-US" dirty="0" smtClean="0"/>
+              <a:t>, because you structure your computations around these aspects of arrows.</a:t>
+            </a:r>
+          </a:p>
+          <a:p>
+            <a:r>
+              <a:rPr lang="en-US" dirty="0" smtClean="0"/>
+              <a:t>Functions	</a:t>
+            </a:r>
+          </a:p>
+          <a:p>
+            <a:pPr lvl="1"/>
+            <a:r>
+              <a:rPr lang="en-US" dirty="0" smtClean="0"/>
+              <a:t>A function is trivially ‘lifted’ into an arrow, which allows us to create specific, focused functions, and use arrows to structure the computations that use those functions.</a:t>
+            </a:r>
+          </a:p>
+          <a:p>
             <a:endParaRPr lang="en-US" dirty="0"/>
           </a:p>
         </p:txBody>

--- a/MonadsOfDoomArrowsOfTime.pptx
+++ b/MonadsOfDoomArrowsOfTime.pptx
@@ -11,14 +11,22 @@
     <p:sldId id="267" r:id="rId5"/>
     <p:sldId id="268" r:id="rId6"/>
     <p:sldId id="269" r:id="rId7"/>
-    <p:sldId id="257" r:id="rId8"/>
-    <p:sldId id="258" r:id="rId9"/>
-    <p:sldId id="260" r:id="rId10"/>
-    <p:sldId id="261" r:id="rId11"/>
-    <p:sldId id="259" r:id="rId12"/>
-    <p:sldId id="262" r:id="rId13"/>
-    <p:sldId id="264" r:id="rId14"/>
-    <p:sldId id="263" r:id="rId15"/>
+    <p:sldId id="270" r:id="rId8"/>
+    <p:sldId id="271" r:id="rId9"/>
+    <p:sldId id="272" r:id="rId10"/>
+    <p:sldId id="257" r:id="rId11"/>
+    <p:sldId id="258" r:id="rId12"/>
+    <p:sldId id="260" r:id="rId13"/>
+    <p:sldId id="261" r:id="rId14"/>
+    <p:sldId id="259" r:id="rId15"/>
+    <p:sldId id="262" r:id="rId16"/>
+    <p:sldId id="264" r:id="rId17"/>
+    <p:sldId id="273" r:id="rId18"/>
+    <p:sldId id="263" r:id="rId19"/>
+    <p:sldId id="274" r:id="rId20"/>
+    <p:sldId id="275" r:id="rId21"/>
+    <p:sldId id="276" r:id="rId22"/>
+    <p:sldId id="277" r:id="rId23"/>
   </p:sldIdLst>
   <p:sldSz cx="9144000" cy="6858000" type="screen4x3"/>
   <p:notesSz cx="6858000" cy="9144000"/>
@@ -3179,7 +3187,7 @@
           <a:p>
             <a:r>
               <a:rPr lang="en-US" dirty="0" smtClean="0"/>
-              <a:t>Arrows Are</a:t>
+              <a:t>Why Arrows?</a:t>
             </a:r>
             <a:endParaRPr lang="en-US" dirty="0"/>
           </a:p>
@@ -3198,97 +3206,45 @@
         <p:spPr/>
         <p:txBody>
           <a:bodyPr>
-            <a:normAutofit fontScale="85000" lnSpcReduction="20000"/>
+            <a:normAutofit/>
           </a:bodyPr>
           <a:lstStyle/>
           <a:p>
             <a:r>
+              <a:rPr lang="en-US" dirty="0"/>
+              <a:t>T</a:t>
+            </a:r>
+            <a:r>
+              <a:rPr lang="en-US" dirty="0" smtClean="0"/>
+              <a:t>he monadic interface </a:t>
+            </a:r>
+            <a:r>
               <a:rPr lang="en-US" dirty="0" err="1" smtClean="0"/>
-              <a:t>Composable</a:t>
-            </a:r>
-            <a:r>
-              <a:rPr lang="en-US" dirty="0" smtClean="0"/>
-              <a:t> into Arrows</a:t>
-            </a:r>
-          </a:p>
-          <a:p>
-            <a:pPr lvl="1"/>
-            <a:r>
-              <a:rPr lang="en-US" dirty="0" smtClean="0"/>
-              <a:t>You build arrows from arrows</a:t>
-            </a:r>
-          </a:p>
-          <a:p>
-            <a:pPr lvl="1"/>
-            <a:r>
-              <a:rPr lang="en-US" dirty="0" smtClean="0"/>
-              <a:t>A variety of composition operators allow you to branch, join, sequence and repeat arrows.</a:t>
-            </a:r>
-          </a:p>
-          <a:p>
+              <a:t>suﬀers</a:t>
+            </a:r>
+            <a:r>
+              <a:rPr lang="en-US" dirty="0" smtClean="0"/>
+              <a:t> a rather severe restriction. While a monadic program can produce its output in many </a:t>
+            </a:r>
             <a:r>
               <a:rPr lang="en-US" dirty="0" err="1" smtClean="0"/>
-              <a:t>Runnable</a:t>
-            </a:r>
-            <a:r>
-              <a:rPr lang="en-US" dirty="0" smtClean="0"/>
-              <a:t> Structures</a:t>
-            </a:r>
-          </a:p>
-          <a:p>
-            <a:pPr lvl="1"/>
-            <a:r>
-              <a:rPr lang="en-US" dirty="0" smtClean="0"/>
-              <a:t>Data flows through arrows (inputs and outputs)</a:t>
-            </a:r>
-          </a:p>
-          <a:p>
-            <a:pPr lvl="1"/>
-            <a:r>
-              <a:rPr lang="en-US" dirty="0" smtClean="0"/>
-              <a:t>Control flows through arrows (repeat)</a:t>
-            </a:r>
-          </a:p>
-          <a:p>
-            <a:r>
-              <a:rPr lang="en-US" dirty="0" smtClean="0"/>
-              <a:t>About </a:t>
-            </a:r>
-            <a:r>
-              <a:rPr lang="en-US" dirty="0" err="1" smtClean="0"/>
-              <a:t>tuples</a:t>
+              <a:t>diﬀerent</a:t>
+            </a:r>
+            <a:r>
+              <a:rPr lang="en-US" dirty="0" smtClean="0"/>
+              <a:t> ways — perhaps not at all (the Maybe monad) […]— it takes its input in just one way: via the parameters of a function.</a:t>
+            </a:r>
+          </a:p>
+          <a:p>
+            <a:r>
+              <a:rPr lang="en-US" dirty="0" smtClean="0"/>
+              <a:t>-Hughes, John, “Programming with Arrows</a:t>
+            </a:r>
+            <a:r>
+              <a:rPr lang="en-US" dirty="0" smtClean="0"/>
+              <a:t>”</a:t>
             </a:r>
             <a:endParaRPr lang="en-US" dirty="0" smtClean="0"/>
-          </a:p>
-          <a:p>
-            <a:pPr lvl="1"/>
-            <a:r>
-              <a:rPr lang="en-US" dirty="0" smtClean="0"/>
-              <a:t>Lifted functions generally operate on one of the inputs in the input </a:t>
-            </a:r>
-            <a:r>
-              <a:rPr lang="en-US" dirty="0" err="1" smtClean="0"/>
-              <a:t>tuple</a:t>
-            </a:r>
-            <a:endParaRPr lang="en-US" dirty="0" smtClean="0"/>
-          </a:p>
-          <a:p>
-            <a:pPr lvl="2"/>
-            <a:r>
-              <a:rPr lang="en-US" dirty="0" smtClean="0"/>
-              <a:t>Use first() or second() composition</a:t>
-            </a:r>
-          </a:p>
-          <a:p>
-            <a:pPr lvl="1"/>
-            <a:r>
-              <a:rPr lang="en-US" dirty="0" err="1" smtClean="0"/>
-              <a:t>Tuple</a:t>
-            </a:r>
-            <a:r>
-              <a:rPr lang="en-US" dirty="0" smtClean="0"/>
-              <a:t>-aware functions can operate on both</a:t>
-            </a:r>
           </a:p>
         </p:txBody>
       </p:sp>
@@ -3334,7 +3290,7 @@
           <a:p>
             <a:r>
               <a:rPr lang="en-US" dirty="0" smtClean="0"/>
-              <a:t>Composing Arrows</a:t>
+              <a:t>Why arrows?</a:t>
             </a:r>
             <a:endParaRPr lang="en-US" dirty="0"/>
           </a:p>
@@ -3353,119 +3309,56 @@
         <p:spPr/>
         <p:txBody>
           <a:bodyPr>
-            <a:normAutofit fontScale="77500" lnSpcReduction="20000"/>
+            <a:normAutofit fontScale="92500" lnSpcReduction="20000"/>
           </a:bodyPr>
           <a:lstStyle/>
           <a:p>
             <a:r>
               <a:rPr lang="en-US" dirty="0" smtClean="0"/>
-              <a:t>lift – lift a function into an arrow</a:t>
-            </a:r>
-          </a:p>
-          <a:p>
-            <a:pPr lvl="1"/>
-            <a:r>
-              <a:rPr lang="en-US" dirty="0" smtClean="0"/>
-              <a:t>Lifting allows us to write functions that are focused and specific, and compose those functions into more complex processes.</a:t>
-            </a:r>
-          </a:p>
-          <a:p>
-            <a:pPr lvl="1"/>
-            <a:r>
-              <a:rPr lang="en-US" dirty="0" smtClean="0"/>
-              <a:t>Brings the function into the world of arrow inputs and outputs</a:t>
-            </a:r>
-          </a:p>
-          <a:p>
-            <a:r>
-              <a:rPr lang="en-US" dirty="0" smtClean="0"/>
-              <a:t>&gt;&gt;&gt; (then, next, compose)</a:t>
-            </a:r>
-          </a:p>
-          <a:p>
-            <a:pPr lvl="1"/>
-            <a:r>
-              <a:rPr lang="en-US" dirty="0" smtClean="0"/>
-              <a:t>Compose Arrow a </a:t>
+              <a:t>Arrows thus </a:t>
             </a:r>
             <a:r>
               <a:rPr lang="en-US" dirty="0" err="1" smtClean="0"/>
-              <a:t>b</a:t>
-            </a:r>
-            <a:r>
-              <a:rPr lang="en-US" dirty="0" smtClean="0"/>
-              <a:t> -&gt; Arrow </a:t>
+              <a:t>oﬀer</a:t>
+            </a:r>
+            <a:r>
+              <a:rPr lang="en-US" dirty="0" smtClean="0"/>
+              <a:t> a competing way to represent computations in Haskell.</a:t>
+            </a:r>
+            <a:r>
+              <a:rPr lang="en-US" dirty="0"/>
+              <a:t> </a:t>
+            </a:r>
+            <a:r>
+              <a:rPr lang="en-US" dirty="0" smtClean="0"/>
+              <a:t>But their purpose is not to replace monads, it is to bring the </a:t>
             </a:r>
             <a:r>
               <a:rPr lang="en-US" dirty="0" err="1" smtClean="0"/>
-              <a:t>b</a:t>
-            </a:r>
-            <a:r>
-              <a:rPr lang="en-US" dirty="0" smtClean="0"/>
-              <a:t> </a:t>
+              <a:t>beneﬁts</a:t>
+            </a:r>
+            <a:r>
+              <a:rPr lang="en-US" dirty="0" smtClean="0"/>
+              <a:t> of a shared interface […] to a wider class of computations than monads can </a:t>
             </a:r>
             <a:r>
               <a:rPr lang="en-US" dirty="0" err="1" smtClean="0"/>
-              <a:t>c</a:t>
-            </a:r>
-            <a:r>
-              <a:rPr lang="en-US" dirty="0" smtClean="0"/>
-              <a:t> into Arrow a </a:t>
-            </a:r>
-            <a:r>
-              <a:rPr lang="en-US" dirty="0" err="1" smtClean="0"/>
-              <a:t>c</a:t>
+              <a:t>accomodate</a:t>
+            </a:r>
+            <a:r>
+              <a:rPr lang="en-US" dirty="0" smtClean="0"/>
+              <a:t>. And in practice, </a:t>
+            </a:r>
+            <a:r>
+              <a:rPr lang="en-US" i="1" dirty="0" smtClean="0"/>
+              <a:t>this often means computations that represent processes.</a:t>
             </a:r>
             <a:endParaRPr lang="en-US" dirty="0" smtClean="0"/>
           </a:p>
           <a:p>
-            <a:pPr lvl="1"/>
-            <a:r>
-              <a:rPr lang="en-US" dirty="0" smtClean="0"/>
-              <a:t>Think of:  An arrow waits for an event (a = event name to wait for) produces event (</a:t>
-            </a:r>
-            <a:r>
-              <a:rPr lang="en-US" dirty="0" err="1" smtClean="0"/>
-              <a:t>b</a:t>
-            </a:r>
-            <a:r>
-              <a:rPr lang="en-US" dirty="0" smtClean="0"/>
-              <a:t> = event data) processes event (</a:t>
-            </a:r>
-            <a:r>
-              <a:rPr lang="en-US" dirty="0" err="1" smtClean="0"/>
-              <a:t>c</a:t>
-            </a:r>
-            <a:r>
-              <a:rPr lang="en-US" dirty="0" smtClean="0"/>
-              <a:t> = result of processing)</a:t>
-            </a:r>
-          </a:p>
-          <a:p>
-            <a:pPr lvl="1"/>
-            <a:r>
-              <a:rPr lang="en-US" dirty="0" smtClean="0"/>
-              <a:t>Please note that this is very specific about inputs and outputs</a:t>
-            </a:r>
-          </a:p>
-          <a:p>
-            <a:r>
-              <a:rPr lang="en-US" dirty="0" smtClean="0"/>
-              <a:t>&amp;&amp;&amp; (split, </a:t>
-            </a:r>
-            <a:r>
-              <a:rPr lang="en-US" dirty="0" err="1" smtClean="0"/>
-              <a:t>fanout</a:t>
-            </a:r>
-            <a:r>
-              <a:rPr lang="en-US" dirty="0" smtClean="0"/>
-              <a:t>)</a:t>
-            </a:r>
-          </a:p>
-          <a:p>
-            <a:r>
-              <a:rPr lang="en-US" dirty="0" smtClean="0"/>
-              <a:t>||| (or)</a:t>
+            <a:r>
+              <a:rPr lang="en-US" dirty="0" smtClean="0"/>
+              <a:t>Games have state machines, which represent processes. Is there a good match between Arrow composition and simplifying the construction of state machines?</a:t>
             </a:r>
             <a:endParaRPr lang="en-US" dirty="0"/>
           </a:p>
@@ -3512,115 +3405,88 @@
           <a:lstStyle/>
           <a:p>
             <a:r>
+              <a:rPr lang="en-US" dirty="0" smtClean="0"/>
+              <a:t>Arrows Are</a:t>
+            </a:r>
+            <a:endParaRPr lang="en-US" dirty="0"/>
+          </a:p>
+        </p:txBody>
+      </p:sp>
+      <p:sp>
+        <p:nvSpPr>
+          <p:cNvPr id="3" name="Content Placeholder 2"/>
+          <p:cNvSpPr>
+            <a:spLocks noGrp="1"/>
+          </p:cNvSpPr>
+          <p:nvPr>
+            <p:ph idx="1"/>
+          </p:nvPr>
+        </p:nvSpPr>
+        <p:spPr/>
+        <p:txBody>
+          <a:bodyPr>
+            <a:normAutofit fontScale="92500" lnSpcReduction="20000"/>
+          </a:bodyPr>
+          <a:lstStyle/>
+          <a:p>
+            <a:r>
+              <a:rPr lang="en-US" dirty="0" smtClean="0"/>
+              <a:t>From and to</a:t>
+            </a:r>
+          </a:p>
+          <a:p>
+            <a:pPr lvl="1"/>
+            <a:r>
+              <a:rPr lang="en-US" dirty="0" smtClean="0"/>
+              <a:t>Unlike monads, arrows are explicit about the form of the input. In </a:t>
+            </a:r>
+            <a:r>
               <a:rPr lang="en-US" dirty="0" err="1" smtClean="0"/>
-              <a:t>Arrowlets</a:t>
-            </a:r>
+              <a:t>Javascipt</a:t>
+            </a:r>
+            <a:r>
+              <a:rPr lang="en-US" dirty="0" smtClean="0"/>
+              <a:t>, of course they are not explicit about the </a:t>
+            </a:r>
+            <a:r>
+              <a:rPr lang="en-US" i="1" dirty="0" smtClean="0"/>
+              <a:t>type</a:t>
+            </a:r>
+            <a:r>
+              <a:rPr lang="en-US" dirty="0" smtClean="0"/>
+              <a:t> of the input.</a:t>
+            </a:r>
+          </a:p>
+          <a:p>
+            <a:pPr lvl="1"/>
+            <a:r>
+              <a:rPr lang="en-US" dirty="0" smtClean="0"/>
+              <a:t>You spend </a:t>
+            </a:r>
+            <a:r>
+              <a:rPr lang="en-US" i="1" dirty="0" smtClean="0"/>
+              <a:t>a lot of time thinking about inputs and outputs</a:t>
+            </a:r>
+            <a:r>
+              <a:rPr lang="en-US" dirty="0" smtClean="0"/>
+              <a:t>, because you structure your computations around these aspects of arrows.</a:t>
+            </a:r>
+          </a:p>
+          <a:p>
+            <a:r>
+              <a:rPr lang="en-US" dirty="0" smtClean="0"/>
+              <a:t>Functions	</a:t>
+            </a:r>
+          </a:p>
+          <a:p>
+            <a:pPr lvl="1"/>
+            <a:r>
+              <a:rPr lang="en-US" dirty="0" smtClean="0"/>
+              <a:t>A function is trivially ‘lifted’ into an arrow, which allows us to create specific, focused functions, and use arrows to structure the computations that use those functions.</a:t>
+            </a:r>
+          </a:p>
+          <a:p>
             <a:endParaRPr lang="en-US" dirty="0"/>
-          </a:p>
-        </p:txBody>
-      </p:sp>
-      <p:sp>
-        <p:nvSpPr>
-          <p:cNvPr id="3" name="Content Placeholder 2"/>
-          <p:cNvSpPr>
-            <a:spLocks noGrp="1"/>
-          </p:cNvSpPr>
-          <p:nvPr>
-            <p:ph idx="1"/>
-          </p:nvPr>
-        </p:nvSpPr>
-        <p:spPr/>
-        <p:txBody>
-          <a:bodyPr>
-            <a:normAutofit fontScale="85000" lnSpcReduction="20000"/>
-          </a:bodyPr>
-          <a:lstStyle/>
-          <a:p>
-            <a:r>
-              <a:rPr lang="en-US" dirty="0" smtClean="0"/>
-              <a:t>Asynchronous Event Arrows</a:t>
-            </a:r>
-          </a:p>
-          <a:p>
-            <a:r>
-              <a:rPr lang="en-US" dirty="0" smtClean="0"/>
-              <a:t>Originally designed with browser UI in mind</a:t>
-            </a:r>
-          </a:p>
-          <a:p>
-            <a:pPr lvl="1"/>
-            <a:r>
-              <a:rPr lang="en-US" dirty="0" smtClean="0"/>
-              <a:t>Paper describes implementing drag and drop</a:t>
-            </a:r>
-          </a:p>
-          <a:p>
-            <a:r>
-              <a:rPr lang="en-US" dirty="0" smtClean="0"/>
-              <a:t>Asynchronous</a:t>
-            </a:r>
-          </a:p>
-          <a:p>
-            <a:pPr lvl="1"/>
-            <a:r>
-              <a:rPr lang="en-US" dirty="0" smtClean="0"/>
-              <a:t>Lifted functions are </a:t>
-            </a:r>
-            <a:r>
-              <a:rPr lang="en-US" dirty="0" err="1" smtClean="0"/>
-              <a:t>thunked</a:t>
-            </a:r>
-            <a:r>
-              <a:rPr lang="en-US" dirty="0" smtClean="0"/>
-              <a:t> </a:t>
-            </a:r>
-            <a:r>
-              <a:rPr lang="en-US" dirty="0"/>
-              <a:t>(</a:t>
-            </a:r>
-            <a:r>
-              <a:rPr lang="en-US" dirty="0" smtClean="0"/>
-              <a:t>run asynchronously)</a:t>
-            </a:r>
-          </a:p>
-          <a:p>
-            <a:r>
-              <a:rPr lang="en-US" dirty="0" smtClean="0"/>
-              <a:t>Event</a:t>
-            </a:r>
-          </a:p>
-          <a:p>
-            <a:pPr lvl="1"/>
-            <a:r>
-              <a:rPr lang="en-US" dirty="0" smtClean="0"/>
-              <a:t>Designed to be used with document event handlers</a:t>
-            </a:r>
-          </a:p>
-          <a:p>
-            <a:r>
-              <a:rPr lang="en-US" dirty="0" smtClean="0"/>
-              <a:t>Arrows</a:t>
-            </a:r>
-          </a:p>
-          <a:p>
-            <a:pPr lvl="1"/>
-            <a:r>
-              <a:rPr lang="en-US" dirty="0" smtClean="0"/>
-              <a:t>Arrow composition allows complex state machines</a:t>
-            </a:r>
-          </a:p>
-          <a:p>
-            <a:r>
-              <a:rPr lang="en-US" dirty="0" smtClean="0"/>
-              <a:t>Cancelable</a:t>
-            </a:r>
-          </a:p>
-          <a:p>
-            <a:pPr lvl="1"/>
-            <a:r>
-              <a:rPr lang="en-US" dirty="0" smtClean="0"/>
-              <a:t>You can stop running arrows</a:t>
-            </a:r>
           </a:p>
         </p:txBody>
       </p:sp>
@@ -3666,7 +3532,7 @@
           <a:p>
             <a:r>
               <a:rPr lang="en-US" dirty="0" smtClean="0"/>
-              <a:t>Who Thought of That?</a:t>
+              <a:t>Arrows Are</a:t>
             </a:r>
             <a:endParaRPr lang="en-US" dirty="0"/>
           </a:p>
@@ -3684,92 +3550,98 @@
         </p:nvSpPr>
         <p:spPr/>
         <p:txBody>
-          <a:bodyPr/>
+          <a:bodyPr>
+            <a:normAutofit fontScale="85000" lnSpcReduction="20000"/>
+          </a:bodyPr>
           <a:lstStyle/>
           <a:p>
             <a:r>
               <a:rPr lang="en-US" dirty="0" err="1" smtClean="0"/>
-              <a:t>Khoo</a:t>
-            </a:r>
-            <a:r>
-              <a:rPr lang="en-US" dirty="0" smtClean="0"/>
-              <a:t> </a:t>
-            </a:r>
+              <a:t>Composable</a:t>
+            </a:r>
+            <a:r>
+              <a:rPr lang="en-US" dirty="0" smtClean="0"/>
+              <a:t> into Arrows</a:t>
+            </a:r>
+          </a:p>
+          <a:p>
+            <a:pPr lvl="1"/>
+            <a:r>
+              <a:rPr lang="en-US" dirty="0" smtClean="0"/>
+              <a:t>You build arrows from arrows</a:t>
+            </a:r>
+          </a:p>
+          <a:p>
+            <a:pPr lvl="1"/>
+            <a:r>
+              <a:rPr lang="en-US" dirty="0" smtClean="0"/>
+              <a:t>A variety of composition operators allow you to branch, join, sequence and repeat arrows.</a:t>
+            </a:r>
+          </a:p>
+          <a:p>
             <a:r>
               <a:rPr lang="en-US" dirty="0" err="1" smtClean="0"/>
-              <a:t>Yit</a:t>
-            </a:r>
-            <a:r>
-              <a:rPr lang="en-US" dirty="0" smtClean="0"/>
-              <a:t> </a:t>
+              <a:t>Runnable</a:t>
+            </a:r>
+            <a:r>
+              <a:rPr lang="en-US" dirty="0" smtClean="0"/>
+              <a:t> Structures</a:t>
+            </a:r>
+          </a:p>
+          <a:p>
+            <a:pPr lvl="1"/>
+            <a:r>
+              <a:rPr lang="en-US" dirty="0" smtClean="0"/>
+              <a:t>Data flows through arrows (inputs and outputs)</a:t>
+            </a:r>
+          </a:p>
+          <a:p>
+            <a:pPr lvl="1"/>
+            <a:r>
+              <a:rPr lang="en-US" dirty="0" smtClean="0"/>
+              <a:t>Control flows through arrows (repeat)</a:t>
+            </a:r>
+          </a:p>
+          <a:p>
+            <a:r>
+              <a:rPr lang="en-US" dirty="0" smtClean="0"/>
+              <a:t>About </a:t>
             </a:r>
             <a:r>
               <a:rPr lang="en-US" dirty="0" err="1" smtClean="0"/>
-              <a:t>Phang</a:t>
-            </a:r>
-            <a:r>
-              <a:rPr lang="en-US" dirty="0" smtClean="0"/>
-              <a:t>, Michael Hicks, Jeffrey S. Foster and </a:t>
+              <a:t>tuples</a:t>
+            </a:r>
+            <a:endParaRPr lang="en-US" dirty="0" smtClean="0"/>
+          </a:p>
+          <a:p>
+            <a:pPr lvl="1"/>
+            <a:r>
+              <a:rPr lang="en-US" dirty="0" smtClean="0"/>
+              <a:t>Lifted functions generally operate on one of the inputs in the input </a:t>
             </a:r>
             <a:r>
               <a:rPr lang="en-US" dirty="0" err="1" smtClean="0"/>
-              <a:t>Vibha</a:t>
-            </a:r>
-            <a:r>
-              <a:rPr lang="en-US" dirty="0" smtClean="0"/>
-              <a:t> </a:t>
-            </a:r>
+              <a:t>tuple</a:t>
+            </a:r>
+            <a:endParaRPr lang="en-US" dirty="0" smtClean="0"/>
+          </a:p>
+          <a:p>
+            <a:pPr lvl="2"/>
+            <a:r>
+              <a:rPr lang="en-US" dirty="0" smtClean="0"/>
+              <a:t>Use first() or second() composition</a:t>
+            </a:r>
+          </a:p>
+          <a:p>
+            <a:pPr lvl="1"/>
             <a:r>
               <a:rPr lang="en-US" dirty="0" err="1" smtClean="0"/>
-              <a:t>Sazawal</a:t>
-            </a:r>
-            <a:r>
-              <a:rPr lang="en-US" dirty="0" smtClean="0"/>
-              <a:t>. University of Maryland, Department of Computer Science. June 2009.</a:t>
-            </a:r>
-          </a:p>
-          <a:p>
-            <a:r>
-              <a:rPr lang="en-US" dirty="0" smtClean="0">
-                <a:hlinkClick r:id="rId2"/>
-              </a:rPr>
-              <a:t>http://www.cs.umd.edu/projects/PL/arrowlets/index.xhtml</a:t>
-            </a:r>
-            <a:endParaRPr lang="en-US" dirty="0" smtClean="0"/>
-          </a:p>
-          <a:p>
-            <a:r>
-              <a:rPr lang="en-US" dirty="0" err="1" smtClean="0"/>
-              <a:t>Arrowlets</a:t>
-            </a:r>
-            <a:r>
-              <a:rPr lang="en-US" dirty="0" smtClean="0"/>
-              <a:t> library was further developed by </a:t>
-            </a:r>
-            <a:r>
-              <a:rPr lang="en-US" dirty="0" err="1" smtClean="0"/>
-              <a:t>Khoo</a:t>
-            </a:r>
-            <a:r>
-              <a:rPr lang="en-US" dirty="0" smtClean="0"/>
-              <a:t> </a:t>
-            </a:r>
-            <a:r>
-              <a:rPr lang="en-US" dirty="0" err="1" smtClean="0"/>
-              <a:t>Yit</a:t>
-            </a:r>
-            <a:r>
-              <a:rPr lang="en-US" dirty="0" smtClean="0"/>
-              <a:t> </a:t>
-            </a:r>
-            <a:r>
-              <a:rPr lang="en-US" dirty="0" err="1" smtClean="0"/>
-              <a:t>Phang</a:t>
-            </a:r>
-            <a:endParaRPr lang="en-US" dirty="0" smtClean="0"/>
-          </a:p>
-          <a:p>
-            <a:endParaRPr lang="en-US" dirty="0"/>
+              <a:t>Tuple</a:t>
+            </a:r>
+            <a:r>
+              <a:rPr lang="en-US" dirty="0" smtClean="0"/>
+              <a:t>-aware functions can operate on both</a:t>
+            </a:r>
           </a:p>
         </p:txBody>
       </p:sp>
@@ -3814,9 +3686,620 @@
           <a:lstStyle/>
           <a:p>
             <a:r>
+              <a:rPr lang="en-US" dirty="0" smtClean="0"/>
+              <a:t>Composing Arrows</a:t>
+            </a:r>
+            <a:endParaRPr lang="en-US" dirty="0"/>
+          </a:p>
+        </p:txBody>
+      </p:sp>
+      <p:sp>
+        <p:nvSpPr>
+          <p:cNvPr id="3" name="Content Placeholder 2"/>
+          <p:cNvSpPr>
+            <a:spLocks noGrp="1"/>
+          </p:cNvSpPr>
+          <p:nvPr>
+            <p:ph idx="1"/>
+          </p:nvPr>
+        </p:nvSpPr>
+        <p:spPr/>
+        <p:txBody>
+          <a:bodyPr>
+            <a:normAutofit fontScale="77500" lnSpcReduction="20000"/>
+          </a:bodyPr>
+          <a:lstStyle/>
+          <a:p>
+            <a:r>
+              <a:rPr lang="en-US" dirty="0" smtClean="0"/>
+              <a:t>lift – lift a function into an </a:t>
+            </a:r>
+            <a:r>
+              <a:rPr lang="en-US" dirty="0" smtClean="0"/>
+              <a:t>arrow</a:t>
+            </a:r>
+          </a:p>
+          <a:p>
+            <a:pPr lvl="1"/>
+            <a:r>
+              <a:rPr lang="en-US" dirty="0" smtClean="0"/>
+              <a:t>We already saw this with monads</a:t>
+            </a:r>
+            <a:endParaRPr lang="en-US" dirty="0" smtClean="0"/>
+          </a:p>
+          <a:p>
+            <a:pPr lvl="1"/>
+            <a:r>
+              <a:rPr lang="en-US" dirty="0" smtClean="0"/>
+              <a:t>Lifting allows us to write functions that are focused and specific, and compose those functions into more complex processes.</a:t>
+            </a:r>
+          </a:p>
+          <a:p>
+            <a:pPr lvl="1"/>
+            <a:r>
+              <a:rPr lang="en-US" dirty="0" smtClean="0"/>
+              <a:t>Brings the function into the world of arrow inputs and outputs</a:t>
+            </a:r>
+          </a:p>
+          <a:p>
+            <a:r>
+              <a:rPr lang="en-US" dirty="0" smtClean="0"/>
+              <a:t>&gt;&gt;&gt; (</a:t>
+            </a:r>
+            <a:r>
+              <a:rPr lang="en-US" b="1" dirty="0" smtClean="0"/>
+              <a:t>then</a:t>
+            </a:r>
+            <a:r>
+              <a:rPr lang="en-US" dirty="0" smtClean="0"/>
+              <a:t>, next, compose)</a:t>
+            </a:r>
+          </a:p>
+          <a:p>
+            <a:pPr lvl="1"/>
+            <a:r>
+              <a:rPr lang="en-US" dirty="0" smtClean="0"/>
+              <a:t>Compose Arrow a </a:t>
+            </a:r>
+            <a:r>
+              <a:rPr lang="en-US" dirty="0" err="1" smtClean="0"/>
+              <a:t>b</a:t>
+            </a:r>
+            <a:r>
+              <a:rPr lang="en-US" dirty="0" smtClean="0"/>
+              <a:t> -&gt; Arrow </a:t>
+            </a:r>
+            <a:r>
+              <a:rPr lang="en-US" dirty="0" err="1" smtClean="0"/>
+              <a:t>b</a:t>
+            </a:r>
+            <a:r>
+              <a:rPr lang="en-US" dirty="0" smtClean="0"/>
+              <a:t> </a:t>
+            </a:r>
+            <a:r>
+              <a:rPr lang="en-US" dirty="0" err="1" smtClean="0"/>
+              <a:t>c</a:t>
+            </a:r>
+            <a:r>
+              <a:rPr lang="en-US" dirty="0" smtClean="0"/>
+              <a:t> into Arrow a </a:t>
+            </a:r>
+            <a:r>
+              <a:rPr lang="en-US" dirty="0" err="1" smtClean="0"/>
+              <a:t>c</a:t>
+            </a:r>
+            <a:endParaRPr lang="en-US" dirty="0" smtClean="0"/>
+          </a:p>
+          <a:p>
+            <a:pPr lvl="1"/>
+            <a:r>
+              <a:rPr lang="en-US" dirty="0" smtClean="0"/>
+              <a:t>Think of:  An arrow waits for an event (a = event name to wait for) produces event (</a:t>
+            </a:r>
+            <a:r>
+              <a:rPr lang="en-US" dirty="0" err="1" smtClean="0"/>
+              <a:t>b</a:t>
+            </a:r>
+            <a:r>
+              <a:rPr lang="en-US" dirty="0" smtClean="0"/>
+              <a:t> = event data) processes event (</a:t>
+            </a:r>
+            <a:r>
+              <a:rPr lang="en-US" dirty="0" err="1" smtClean="0"/>
+              <a:t>c</a:t>
+            </a:r>
+            <a:r>
+              <a:rPr lang="en-US" dirty="0" smtClean="0"/>
+              <a:t> = result of processing)</a:t>
+            </a:r>
+          </a:p>
+          <a:p>
+            <a:pPr lvl="1"/>
+            <a:r>
+              <a:rPr lang="en-US" dirty="0" smtClean="0"/>
+              <a:t>Please note that this is very specific about inputs and outputs</a:t>
+            </a:r>
+          </a:p>
+          <a:p>
+            <a:r>
+              <a:rPr lang="en-US" dirty="0" smtClean="0"/>
+              <a:t>&amp;&amp;&amp; (split, </a:t>
+            </a:r>
+            <a:r>
+              <a:rPr lang="en-US" b="1" dirty="0" err="1" smtClean="0"/>
+              <a:t>fanout</a:t>
+            </a:r>
+            <a:r>
+              <a:rPr lang="en-US" dirty="0" smtClean="0"/>
+              <a:t>)</a:t>
+            </a:r>
+          </a:p>
+          <a:p>
+            <a:r>
+              <a:rPr lang="en-US" dirty="0" smtClean="0"/>
+              <a:t>||| (</a:t>
+            </a:r>
+            <a:r>
+              <a:rPr lang="en-US" b="1" dirty="0" smtClean="0"/>
+              <a:t>or</a:t>
+            </a:r>
+            <a:r>
+              <a:rPr lang="en-US" dirty="0" smtClean="0"/>
+              <a:t>)</a:t>
+            </a:r>
+            <a:endParaRPr lang="en-US" dirty="0"/>
+          </a:p>
+        </p:txBody>
+      </p:sp>
+    </p:spTree>
+  </p:cSld>
+  <p:clrMapOvr>
+    <a:masterClrMapping/>
+  </p:clrMapOvr>
+</p:sld>
+</file>
+
+<file path=ppt/slides/slide15.xml><?xml version="1.0" encoding="utf-8"?>
+<p:sld xmlns:a="http://schemas.openxmlformats.org/drawingml/2006/main" xmlns:r="http://schemas.openxmlformats.org/officeDocument/2006/relationships" xmlns:p="http://schemas.openxmlformats.org/presentationml/2006/main">
+  <p:cSld>
+    <p:spTree>
+      <p:nvGrpSpPr>
+        <p:cNvPr id="1" name=""/>
+        <p:cNvGrpSpPr/>
+        <p:nvPr/>
+      </p:nvGrpSpPr>
+      <p:grpSpPr>
+        <a:xfrm>
+          <a:off x="0" y="0"/>
+          <a:ext cx="0" cy="0"/>
+          <a:chOff x="0" y="0"/>
+          <a:chExt cx="0" cy="0"/>
+        </a:xfrm>
+      </p:grpSpPr>
+      <p:sp>
+        <p:nvSpPr>
+          <p:cNvPr id="2" name="Title 1"/>
+          <p:cNvSpPr>
+            <a:spLocks noGrp="1"/>
+          </p:cNvSpPr>
+          <p:nvPr>
+            <p:ph type="title"/>
+          </p:nvPr>
+        </p:nvSpPr>
+        <p:spPr/>
+        <p:txBody>
+          <a:bodyPr/>
+          <a:lstStyle/>
+          <a:p>
+            <a:r>
               <a:rPr lang="en-US" dirty="0" err="1" smtClean="0"/>
               <a:t>Arrowlets</a:t>
             </a:r>
+            <a:endParaRPr lang="en-US" dirty="0"/>
+          </a:p>
+        </p:txBody>
+      </p:sp>
+      <p:sp>
+        <p:nvSpPr>
+          <p:cNvPr id="3" name="Content Placeholder 2"/>
+          <p:cNvSpPr>
+            <a:spLocks noGrp="1"/>
+          </p:cNvSpPr>
+          <p:nvPr>
+            <p:ph idx="1"/>
+          </p:nvPr>
+        </p:nvSpPr>
+        <p:spPr/>
+        <p:txBody>
+          <a:bodyPr>
+            <a:normAutofit fontScale="85000" lnSpcReduction="20000"/>
+          </a:bodyPr>
+          <a:lstStyle/>
+          <a:p>
+            <a:r>
+              <a:rPr lang="en-US" dirty="0" smtClean="0"/>
+              <a:t>Asynchronous Event Arrows</a:t>
+            </a:r>
+          </a:p>
+          <a:p>
+            <a:r>
+              <a:rPr lang="en-US" dirty="0" smtClean="0"/>
+              <a:t>Originally designed with browser UI in mind</a:t>
+            </a:r>
+          </a:p>
+          <a:p>
+            <a:pPr lvl="1"/>
+            <a:r>
+              <a:rPr lang="en-US" dirty="0" smtClean="0"/>
+              <a:t>Paper describes implementing drag and drop</a:t>
+            </a:r>
+          </a:p>
+          <a:p>
+            <a:r>
+              <a:rPr lang="en-US" dirty="0" smtClean="0"/>
+              <a:t>Asynchronous</a:t>
+            </a:r>
+          </a:p>
+          <a:p>
+            <a:pPr lvl="1"/>
+            <a:r>
+              <a:rPr lang="en-US" dirty="0" smtClean="0"/>
+              <a:t>Lifted functions are </a:t>
+            </a:r>
+            <a:r>
+              <a:rPr lang="en-US" dirty="0" err="1" smtClean="0"/>
+              <a:t>thunked</a:t>
+            </a:r>
+            <a:r>
+              <a:rPr lang="en-US" dirty="0" smtClean="0"/>
+              <a:t> </a:t>
+            </a:r>
+            <a:r>
+              <a:rPr lang="en-US" dirty="0"/>
+              <a:t>(</a:t>
+            </a:r>
+            <a:r>
+              <a:rPr lang="en-US" dirty="0" smtClean="0"/>
+              <a:t>run asynchronously)</a:t>
+            </a:r>
+          </a:p>
+          <a:p>
+            <a:r>
+              <a:rPr lang="en-US" dirty="0" smtClean="0"/>
+              <a:t>Event</a:t>
+            </a:r>
+          </a:p>
+          <a:p>
+            <a:pPr lvl="1"/>
+            <a:r>
+              <a:rPr lang="en-US" dirty="0" smtClean="0"/>
+              <a:t>Designed to be used with document event handlers</a:t>
+            </a:r>
+          </a:p>
+          <a:p>
+            <a:r>
+              <a:rPr lang="en-US" dirty="0" smtClean="0"/>
+              <a:t>Arrows</a:t>
+            </a:r>
+          </a:p>
+          <a:p>
+            <a:pPr lvl="1"/>
+            <a:r>
+              <a:rPr lang="en-US" dirty="0" smtClean="0"/>
+              <a:t>Arrow composition allows complex state machines</a:t>
+            </a:r>
+          </a:p>
+          <a:p>
+            <a:r>
+              <a:rPr lang="en-US" dirty="0" smtClean="0"/>
+              <a:t>Cancelable</a:t>
+            </a:r>
+          </a:p>
+          <a:p>
+            <a:pPr lvl="1"/>
+            <a:r>
+              <a:rPr lang="en-US" dirty="0" smtClean="0"/>
+              <a:t>You can stop running arrows</a:t>
+            </a:r>
+          </a:p>
+        </p:txBody>
+      </p:sp>
+    </p:spTree>
+  </p:cSld>
+  <p:clrMapOvr>
+    <a:masterClrMapping/>
+  </p:clrMapOvr>
+</p:sld>
+</file>
+
+<file path=ppt/slides/slide16.xml><?xml version="1.0" encoding="utf-8"?>
+<p:sld xmlns:a="http://schemas.openxmlformats.org/drawingml/2006/main" xmlns:r="http://schemas.openxmlformats.org/officeDocument/2006/relationships" xmlns:p="http://schemas.openxmlformats.org/presentationml/2006/main">
+  <p:cSld>
+    <p:spTree>
+      <p:nvGrpSpPr>
+        <p:cNvPr id="1" name=""/>
+        <p:cNvGrpSpPr/>
+        <p:nvPr/>
+      </p:nvGrpSpPr>
+      <p:grpSpPr>
+        <a:xfrm>
+          <a:off x="0" y="0"/>
+          <a:ext cx="0" cy="0"/>
+          <a:chOff x="0" y="0"/>
+          <a:chExt cx="0" cy="0"/>
+        </a:xfrm>
+      </p:grpSpPr>
+      <p:sp>
+        <p:nvSpPr>
+          <p:cNvPr id="2" name="Title 1"/>
+          <p:cNvSpPr>
+            <a:spLocks noGrp="1"/>
+          </p:cNvSpPr>
+          <p:nvPr>
+            <p:ph type="title"/>
+          </p:nvPr>
+        </p:nvSpPr>
+        <p:spPr/>
+        <p:txBody>
+          <a:bodyPr/>
+          <a:lstStyle/>
+          <a:p>
+            <a:r>
+              <a:rPr lang="en-US" dirty="0" smtClean="0"/>
+              <a:t>Who Thought of That?</a:t>
+            </a:r>
+            <a:endParaRPr lang="en-US" dirty="0"/>
+          </a:p>
+        </p:txBody>
+      </p:sp>
+      <p:sp>
+        <p:nvSpPr>
+          <p:cNvPr id="3" name="Content Placeholder 2"/>
+          <p:cNvSpPr>
+            <a:spLocks noGrp="1"/>
+          </p:cNvSpPr>
+          <p:nvPr>
+            <p:ph idx="1"/>
+          </p:nvPr>
+        </p:nvSpPr>
+        <p:spPr/>
+        <p:txBody>
+          <a:bodyPr/>
+          <a:lstStyle/>
+          <a:p>
+            <a:r>
+              <a:rPr lang="en-US" dirty="0" err="1" smtClean="0"/>
+              <a:t>Khoo</a:t>
+            </a:r>
+            <a:r>
+              <a:rPr lang="en-US" dirty="0" smtClean="0"/>
+              <a:t> </a:t>
+            </a:r>
+            <a:r>
+              <a:rPr lang="en-US" dirty="0" err="1" smtClean="0"/>
+              <a:t>Yit</a:t>
+            </a:r>
+            <a:r>
+              <a:rPr lang="en-US" dirty="0" smtClean="0"/>
+              <a:t> </a:t>
+            </a:r>
+            <a:r>
+              <a:rPr lang="en-US" dirty="0" err="1" smtClean="0"/>
+              <a:t>Phang</a:t>
+            </a:r>
+            <a:r>
+              <a:rPr lang="en-US" dirty="0" smtClean="0"/>
+              <a:t>, Michael Hicks, Jeffrey S. Foster and </a:t>
+            </a:r>
+            <a:r>
+              <a:rPr lang="en-US" dirty="0" err="1" smtClean="0"/>
+              <a:t>Vibha</a:t>
+            </a:r>
+            <a:r>
+              <a:rPr lang="en-US" dirty="0" smtClean="0"/>
+              <a:t> </a:t>
+            </a:r>
+            <a:r>
+              <a:rPr lang="en-US" dirty="0" err="1" smtClean="0"/>
+              <a:t>Sazawal</a:t>
+            </a:r>
+            <a:r>
+              <a:rPr lang="en-US" dirty="0" smtClean="0"/>
+              <a:t>. University of Maryland, Department of Computer Science. June 2009.</a:t>
+            </a:r>
+          </a:p>
+          <a:p>
+            <a:r>
+              <a:rPr lang="en-US" dirty="0" smtClean="0">
+                <a:hlinkClick r:id="rId2"/>
+              </a:rPr>
+              <a:t>http://www.cs.umd.edu/projects/PL/arrowlets/index.xhtml</a:t>
+            </a:r>
+            <a:endParaRPr lang="en-US" dirty="0" smtClean="0"/>
+          </a:p>
+          <a:p>
+            <a:r>
+              <a:rPr lang="en-US" dirty="0" err="1" smtClean="0"/>
+              <a:t>Arrowlets</a:t>
+            </a:r>
+            <a:r>
+              <a:rPr lang="en-US" dirty="0" smtClean="0"/>
+              <a:t> library was further developed by </a:t>
+            </a:r>
+            <a:r>
+              <a:rPr lang="en-US" dirty="0" err="1" smtClean="0"/>
+              <a:t>Khoo</a:t>
+            </a:r>
+            <a:r>
+              <a:rPr lang="en-US" dirty="0" smtClean="0"/>
+              <a:t> </a:t>
+            </a:r>
+            <a:r>
+              <a:rPr lang="en-US" dirty="0" err="1" smtClean="0"/>
+              <a:t>Yit</a:t>
+            </a:r>
+            <a:r>
+              <a:rPr lang="en-US" dirty="0" smtClean="0"/>
+              <a:t> </a:t>
+            </a:r>
+            <a:r>
+              <a:rPr lang="en-US" dirty="0" err="1" smtClean="0"/>
+              <a:t>Phang</a:t>
+            </a:r>
+            <a:endParaRPr lang="en-US" dirty="0" smtClean="0"/>
+          </a:p>
+          <a:p>
+            <a:endParaRPr lang="en-US" dirty="0"/>
+          </a:p>
+        </p:txBody>
+      </p:sp>
+    </p:spTree>
+  </p:cSld>
+  <p:clrMapOvr>
+    <a:masterClrMapping/>
+  </p:clrMapOvr>
+</p:sld>
+</file>
+
+<file path=ppt/slides/slide17.xml><?xml version="1.0" encoding="utf-8"?>
+<p:sld xmlns:a="http://schemas.openxmlformats.org/drawingml/2006/main" xmlns:r="http://schemas.openxmlformats.org/officeDocument/2006/relationships" xmlns:p="http://schemas.openxmlformats.org/presentationml/2006/main">
+  <p:cSld>
+    <p:spTree>
+      <p:nvGrpSpPr>
+        <p:cNvPr id="1" name=""/>
+        <p:cNvGrpSpPr/>
+        <p:nvPr/>
+      </p:nvGrpSpPr>
+      <p:grpSpPr>
+        <a:xfrm>
+          <a:off x="0" y="0"/>
+          <a:ext cx="0" cy="0"/>
+          <a:chOff x="0" y="0"/>
+          <a:chExt cx="0" cy="0"/>
+        </a:xfrm>
+      </p:grpSpPr>
+      <p:sp>
+        <p:nvSpPr>
+          <p:cNvPr id="2" name="Title 1"/>
+          <p:cNvSpPr>
+            <a:spLocks noGrp="1"/>
+          </p:cNvSpPr>
+          <p:nvPr>
+            <p:ph type="title"/>
+          </p:nvPr>
+        </p:nvSpPr>
+        <p:spPr/>
+        <p:txBody>
+          <a:bodyPr/>
+          <a:lstStyle/>
+          <a:p>
+            <a:r>
+              <a:rPr lang="en-US" dirty="0" smtClean="0"/>
+              <a:t>Let’s Take a Look at </a:t>
+            </a:r>
+            <a:r>
+              <a:rPr lang="en-US" dirty="0" err="1" smtClean="0"/>
+              <a:t>Arrowlets</a:t>
+            </a:r>
+            <a:endParaRPr lang="en-US" dirty="0"/>
+          </a:p>
+        </p:txBody>
+      </p:sp>
+      <p:sp>
+        <p:nvSpPr>
+          <p:cNvPr id="3" name="Content Placeholder 2"/>
+          <p:cNvSpPr>
+            <a:spLocks noGrp="1"/>
+          </p:cNvSpPr>
+          <p:nvPr>
+            <p:ph idx="1"/>
+          </p:nvPr>
+        </p:nvSpPr>
+        <p:spPr/>
+        <p:txBody>
+          <a:bodyPr/>
+          <a:lstStyle/>
+          <a:p>
+            <a:r>
+              <a:rPr lang="en-US" dirty="0" smtClean="0"/>
+              <a:t>Time flies like an </a:t>
+            </a:r>
+            <a:r>
+              <a:rPr lang="en-US" dirty="0" err="1" smtClean="0"/>
+              <a:t>arrowlet</a:t>
+            </a:r>
+            <a:endParaRPr lang="en-US" dirty="0" smtClean="0"/>
+          </a:p>
+          <a:p>
+            <a:r>
+              <a:rPr lang="en-US" dirty="0">
+                <a:hlinkClick r:id="rId2"/>
+              </a:rPr>
+              <a:t>http://</a:t>
+            </a:r>
+            <a:r>
+              <a:rPr lang="en-US" dirty="0" smtClean="0">
+                <a:hlinkClick r:id="rId2"/>
+              </a:rPr>
+              <a:t>www.cs.umd.edu/projects/PL/arrowlets/example-time-flies-like-an-arrowlet.xhtml</a:t>
+            </a:r>
+            <a:endParaRPr lang="en-US" dirty="0" smtClean="0"/>
+          </a:p>
+          <a:p>
+            <a:endParaRPr lang="en-US" dirty="0"/>
+          </a:p>
+        </p:txBody>
+      </p:sp>
+    </p:spTree>
+    <p:extLst>
+      <p:ext uri="{BB962C8B-B14F-4D97-AF65-F5344CB8AC3E}">
+        <p14:creationId xmlns:p14="http://schemas.microsoft.com/office/powerpoint/2010/main" val="542457625"/>
+      </p:ext>
+    </p:extLst>
+  </p:cSld>
+  <p:clrMapOvr>
+    <a:masterClrMapping/>
+  </p:clrMapOvr>
+</p:sld>
+</file>
+
+<file path=ppt/slides/slide18.xml><?xml version="1.0" encoding="utf-8"?>
+<p:sld xmlns:a="http://schemas.openxmlformats.org/drawingml/2006/main" xmlns:r="http://schemas.openxmlformats.org/officeDocument/2006/relationships" xmlns:p="http://schemas.openxmlformats.org/presentationml/2006/main">
+  <p:cSld>
+    <p:spTree>
+      <p:nvGrpSpPr>
+        <p:cNvPr id="1" name=""/>
+        <p:cNvGrpSpPr/>
+        <p:nvPr/>
+      </p:nvGrpSpPr>
+      <p:grpSpPr>
+        <a:xfrm>
+          <a:off x="0" y="0"/>
+          <a:ext cx="0" cy="0"/>
+          <a:chOff x="0" y="0"/>
+          <a:chExt cx="0" cy="0"/>
+        </a:xfrm>
+      </p:grpSpPr>
+      <p:sp>
+        <p:nvSpPr>
+          <p:cNvPr id="2" name="Title 1"/>
+          <p:cNvSpPr>
+            <a:spLocks noGrp="1"/>
+          </p:cNvSpPr>
+          <p:nvPr>
+            <p:ph type="title"/>
+          </p:nvPr>
+        </p:nvSpPr>
+        <p:spPr/>
+        <p:txBody>
+          <a:bodyPr/>
+          <a:lstStyle/>
+          <a:p>
+            <a:r>
+              <a:rPr lang="en-US" dirty="0" err="1" smtClean="0"/>
+              <a:t>Arrowlets</a:t>
+            </a:r>
             <a:r>
               <a:rPr lang="en-US" dirty="0" smtClean="0"/>
               <a:t> with </a:t>
@@ -3871,13 +4354,458 @@
           <a:p>
             <a:r>
               <a:rPr lang="en-US" dirty="0" smtClean="0"/>
-              <a:t>Need some help</a:t>
+              <a:t>Need some </a:t>
+            </a:r>
+            <a:r>
+              <a:rPr lang="en-US" dirty="0" smtClean="0"/>
+              <a:t>new arrows to help us out</a:t>
             </a:r>
             <a:endParaRPr lang="en-US" dirty="0"/>
           </a:p>
         </p:txBody>
       </p:sp>
     </p:spTree>
+  </p:cSld>
+  <p:clrMapOvr>
+    <a:masterClrMapping/>
+  </p:clrMapOvr>
+</p:sld>
+</file>
+
+<file path=ppt/slides/slide19.xml><?xml version="1.0" encoding="utf-8"?>
+<p:sld xmlns:a="http://schemas.openxmlformats.org/drawingml/2006/main" xmlns:r="http://schemas.openxmlformats.org/officeDocument/2006/relationships" xmlns:p="http://schemas.openxmlformats.org/presentationml/2006/main">
+  <p:cSld>
+    <p:spTree>
+      <p:nvGrpSpPr>
+        <p:cNvPr id="1" name=""/>
+        <p:cNvGrpSpPr/>
+        <p:nvPr/>
+      </p:nvGrpSpPr>
+      <p:grpSpPr>
+        <a:xfrm>
+          <a:off x="0" y="0"/>
+          <a:ext cx="0" cy="0"/>
+          <a:chOff x="0" y="0"/>
+          <a:chExt cx="0" cy="0"/>
+        </a:xfrm>
+      </p:grpSpPr>
+      <p:sp>
+        <p:nvSpPr>
+          <p:cNvPr id="2" name="Title 1"/>
+          <p:cNvSpPr>
+            <a:spLocks noGrp="1"/>
+          </p:cNvSpPr>
+          <p:nvPr>
+            <p:ph type="title"/>
+          </p:nvPr>
+        </p:nvSpPr>
+        <p:spPr/>
+        <p:txBody>
+          <a:bodyPr>
+            <a:normAutofit fontScale="90000"/>
+          </a:bodyPr>
+          <a:lstStyle/>
+          <a:p>
+            <a:r>
+              <a:rPr lang="en-US" dirty="0" smtClean="0"/>
+              <a:t>Our own Arrow Constructor: </a:t>
+            </a:r>
+            <a:r>
+              <a:rPr lang="en-US" dirty="0" err="1" smtClean="0"/>
+              <a:t>ListenA</a:t>
+            </a:r>
+            <a:endParaRPr lang="en-US" dirty="0"/>
+          </a:p>
+        </p:txBody>
+      </p:sp>
+      <p:sp>
+        <p:nvSpPr>
+          <p:cNvPr id="3" name="Content Placeholder 2"/>
+          <p:cNvSpPr>
+            <a:spLocks noGrp="1"/>
+          </p:cNvSpPr>
+          <p:nvPr>
+            <p:ph idx="1"/>
+          </p:nvPr>
+        </p:nvSpPr>
+        <p:spPr/>
+        <p:txBody>
+          <a:bodyPr>
+            <a:normAutofit fontScale="47500" lnSpcReduction="20000"/>
+          </a:bodyPr>
+          <a:lstStyle/>
+          <a:p>
+            <a:pPr marL="0" indent="0">
+              <a:buNone/>
+            </a:pPr>
+            <a:r>
+              <a:rPr lang="en-US" dirty="0"/>
+              <a:t>function </a:t>
+            </a:r>
+            <a:r>
+              <a:rPr lang="en-US" dirty="0" err="1"/>
+              <a:t>ListenA</a:t>
+            </a:r>
+            <a:r>
+              <a:rPr lang="en-US" dirty="0"/>
+              <a:t>(</a:t>
+            </a:r>
+            <a:r>
+              <a:rPr lang="en-US" dirty="0" err="1"/>
+              <a:t>eventname</a:t>
+            </a:r>
+            <a:r>
+              <a:rPr lang="en-US" dirty="0"/>
+              <a:t>) {</a:t>
+            </a:r>
+          </a:p>
+          <a:p>
+            <a:pPr marL="0" indent="0">
+              <a:buNone/>
+            </a:pPr>
+            <a:r>
+              <a:rPr lang="en-US" dirty="0"/>
+              <a:t>    if (!(this </a:t>
+            </a:r>
+            <a:r>
+              <a:rPr lang="en-US" dirty="0" err="1"/>
+              <a:t>instanceof</a:t>
+            </a:r>
+            <a:r>
+              <a:rPr lang="en-US" dirty="0"/>
+              <a:t> </a:t>
+            </a:r>
+            <a:r>
+              <a:rPr lang="en-US" dirty="0" err="1"/>
+              <a:t>ListenA</a:t>
+            </a:r>
+            <a:r>
+              <a:rPr lang="en-US" dirty="0"/>
+              <a:t>))</a:t>
+            </a:r>
+          </a:p>
+          <a:p>
+            <a:pPr marL="0" indent="0">
+              <a:buNone/>
+            </a:pPr>
+            <a:r>
+              <a:rPr lang="en-US" dirty="0"/>
+              <a:t>        return new </a:t>
+            </a:r>
+            <a:r>
+              <a:rPr lang="en-US" dirty="0" err="1"/>
+              <a:t>ListenA</a:t>
+            </a:r>
+            <a:r>
+              <a:rPr lang="en-US" dirty="0"/>
+              <a:t>(</a:t>
+            </a:r>
+            <a:r>
+              <a:rPr lang="en-US" dirty="0" err="1"/>
+              <a:t>eventname</a:t>
+            </a:r>
+            <a:r>
+              <a:rPr lang="en-US" dirty="0"/>
+              <a:t>);</a:t>
+            </a:r>
+          </a:p>
+          <a:p>
+            <a:pPr marL="0" indent="0">
+              <a:buNone/>
+            </a:pPr>
+            <a:r>
+              <a:rPr lang="en-US" dirty="0"/>
+              <a:t>    </a:t>
+            </a:r>
+            <a:r>
+              <a:rPr lang="en-US" dirty="0" err="1"/>
+              <a:t>this.eventname</a:t>
+            </a:r>
+            <a:r>
+              <a:rPr lang="en-US" dirty="0"/>
+              <a:t> = </a:t>
+            </a:r>
+            <a:r>
+              <a:rPr lang="en-US" dirty="0" err="1"/>
+              <a:t>eventname</a:t>
+            </a:r>
+            <a:r>
+              <a:rPr lang="en-US" dirty="0"/>
+              <a:t>;</a:t>
+            </a:r>
+          </a:p>
+          <a:p>
+            <a:pPr marL="0" indent="0">
+              <a:buNone/>
+            </a:pPr>
+            <a:r>
+              <a:rPr lang="en-US" dirty="0"/>
+              <a:t>}</a:t>
+            </a:r>
+          </a:p>
+          <a:p>
+            <a:pPr marL="0" indent="0">
+              <a:buNone/>
+            </a:pPr>
+            <a:r>
+              <a:rPr lang="en-US" dirty="0" err="1"/>
+              <a:t>ListenA.prototype</a:t>
+            </a:r>
+            <a:r>
+              <a:rPr lang="en-US" dirty="0"/>
+              <a:t> = new </a:t>
+            </a:r>
+            <a:r>
+              <a:rPr lang="en-US" dirty="0" err="1"/>
+              <a:t>AsyncA</a:t>
+            </a:r>
+            <a:r>
+              <a:rPr lang="en-US" dirty="0"/>
+              <a:t>(function </a:t>
+            </a:r>
+            <a:r>
+              <a:rPr lang="en-US" dirty="0" err="1"/>
+              <a:t>ListenA$prototype$t</a:t>
+            </a:r>
+            <a:r>
+              <a:rPr lang="en-US" dirty="0"/>
+              <a:t>(emitter, a) {</a:t>
+            </a:r>
+          </a:p>
+          <a:p>
+            <a:pPr marL="0" indent="0">
+              <a:buNone/>
+            </a:pPr>
+            <a:r>
+              <a:rPr lang="en-US" dirty="0"/>
+              <a:t>    </a:t>
+            </a:r>
+            <a:r>
+              <a:rPr lang="en-US" dirty="0" err="1"/>
+              <a:t>var</a:t>
+            </a:r>
+            <a:r>
+              <a:rPr lang="en-US" dirty="0"/>
+              <a:t> </a:t>
+            </a:r>
+            <a:r>
+              <a:rPr lang="en-US" dirty="0" err="1"/>
+              <a:t>eventname</a:t>
+            </a:r>
+            <a:r>
+              <a:rPr lang="en-US" dirty="0"/>
+              <a:t> = </a:t>
+            </a:r>
+            <a:r>
+              <a:rPr lang="en-US" dirty="0" err="1"/>
+              <a:t>this.eventname</a:t>
+            </a:r>
+            <a:r>
+              <a:rPr lang="en-US" dirty="0"/>
+              <a:t>;</a:t>
+            </a:r>
+          </a:p>
+          <a:p>
+            <a:pPr marL="0" indent="0">
+              <a:buNone/>
+            </a:pPr>
+            <a:endParaRPr lang="en-US" dirty="0"/>
+          </a:p>
+          <a:p>
+            <a:pPr marL="0" indent="0">
+              <a:buNone/>
+            </a:pPr>
+            <a:r>
+              <a:rPr lang="en-US" dirty="0"/>
+              <a:t>    </a:t>
+            </a:r>
+            <a:r>
+              <a:rPr lang="en-US" dirty="0" err="1"/>
+              <a:t>var</a:t>
+            </a:r>
+            <a:r>
+              <a:rPr lang="en-US" dirty="0"/>
+              <a:t> cancel = function </a:t>
+            </a:r>
+            <a:r>
+              <a:rPr lang="en-US" dirty="0" err="1"/>
+              <a:t>ListenA$prototype$t</a:t>
+            </a:r>
+            <a:r>
+              <a:rPr lang="en-US" dirty="0"/>
+              <a:t>$$cancel() {</a:t>
+            </a:r>
+          </a:p>
+          <a:p>
+            <a:pPr marL="0" indent="0">
+              <a:buNone/>
+            </a:pPr>
+            <a:r>
+              <a:rPr lang="en-US" dirty="0"/>
+              <a:t>        </a:t>
+            </a:r>
+            <a:r>
+              <a:rPr lang="en-US" dirty="0" err="1"/>
+              <a:t>emitter.removeListener</a:t>
+            </a:r>
+            <a:r>
+              <a:rPr lang="en-US" dirty="0"/>
+              <a:t>(</a:t>
+            </a:r>
+            <a:r>
+              <a:rPr lang="en-US" dirty="0" err="1"/>
+              <a:t>eventname</a:t>
+            </a:r>
+            <a:r>
+              <a:rPr lang="en-US" dirty="0"/>
+              <a:t>, listener);</a:t>
+            </a:r>
+          </a:p>
+          <a:p>
+            <a:pPr marL="0" indent="0">
+              <a:buNone/>
+            </a:pPr>
+            <a:r>
+              <a:rPr lang="en-US" dirty="0"/>
+              <a:t>    }</a:t>
+            </a:r>
+          </a:p>
+          <a:p>
+            <a:pPr marL="0" indent="0">
+              <a:buNone/>
+            </a:pPr>
+            <a:r>
+              <a:rPr lang="en-US" dirty="0"/>
+              <a:t>    </a:t>
+            </a:r>
+            <a:r>
+              <a:rPr lang="en-US" dirty="0" err="1"/>
+              <a:t>var</a:t>
+            </a:r>
+            <a:r>
+              <a:rPr lang="en-US" dirty="0"/>
+              <a:t> listener = function </a:t>
+            </a:r>
+            <a:r>
+              <a:rPr lang="en-US" dirty="0" err="1"/>
+              <a:t>ListenA$prototype$t</a:t>
+            </a:r>
+            <a:r>
+              <a:rPr lang="en-US" dirty="0"/>
+              <a:t>$$listener(event) {</a:t>
+            </a:r>
+          </a:p>
+          <a:p>
+            <a:pPr marL="0" indent="0">
+              <a:buNone/>
+            </a:pPr>
+            <a:r>
+              <a:rPr lang="en-US" dirty="0"/>
+              <a:t>        cancel();</a:t>
+            </a:r>
+          </a:p>
+          <a:p>
+            <a:pPr marL="0" indent="0">
+              <a:buNone/>
+            </a:pPr>
+            <a:r>
+              <a:rPr lang="en-US" dirty="0"/>
+              <a:t>        </a:t>
+            </a:r>
+            <a:r>
+              <a:rPr lang="en-US" dirty="0" err="1"/>
+              <a:t>a.advance</a:t>
+            </a:r>
+            <a:r>
+              <a:rPr lang="en-US" dirty="0"/>
+              <a:t>(cancel);</a:t>
+            </a:r>
+          </a:p>
+          <a:p>
+            <a:pPr marL="0" indent="0">
+              <a:buNone/>
+            </a:pPr>
+            <a:r>
+              <a:rPr lang="en-US" dirty="0"/>
+              <a:t>        </a:t>
+            </a:r>
+            <a:r>
+              <a:rPr lang="en-US" dirty="0" err="1"/>
+              <a:t>a.cont</a:t>
+            </a:r>
+            <a:r>
+              <a:rPr lang="en-US" dirty="0"/>
+              <a:t>(event);</a:t>
+            </a:r>
+          </a:p>
+          <a:p>
+            <a:pPr marL="0" indent="0">
+              <a:buNone/>
+            </a:pPr>
+            <a:r>
+              <a:rPr lang="en-US" dirty="0"/>
+              <a:t>    }</a:t>
+            </a:r>
+          </a:p>
+          <a:p>
+            <a:pPr marL="0" indent="0">
+              <a:buNone/>
+            </a:pPr>
+            <a:r>
+              <a:rPr lang="en-US" dirty="0"/>
+              <a:t>    </a:t>
+            </a:r>
+            <a:r>
+              <a:rPr lang="en-US" dirty="0" err="1"/>
+              <a:t>a.addCanceller</a:t>
+            </a:r>
+            <a:r>
+              <a:rPr lang="en-US" dirty="0"/>
+              <a:t>(cancel);</a:t>
+            </a:r>
+          </a:p>
+          <a:p>
+            <a:pPr marL="0" indent="0">
+              <a:buNone/>
+            </a:pPr>
+            <a:r>
+              <a:rPr lang="en-US" dirty="0"/>
+              <a:t>    </a:t>
+            </a:r>
+            <a:r>
+              <a:rPr lang="en-US" dirty="0" err="1"/>
+              <a:t>emitter.addListener</a:t>
+            </a:r>
+            <a:r>
+              <a:rPr lang="en-US" dirty="0"/>
+              <a:t>(</a:t>
+            </a:r>
+            <a:r>
+              <a:rPr lang="en-US" dirty="0" err="1"/>
+              <a:t>eventname</a:t>
+            </a:r>
+            <a:r>
+              <a:rPr lang="en-US" dirty="0"/>
+              <a:t>, listener);</a:t>
+            </a:r>
+          </a:p>
+          <a:p>
+            <a:pPr marL="0" indent="0">
+              <a:buNone/>
+            </a:pPr>
+            <a:r>
+              <a:rPr lang="en-US" dirty="0"/>
+              <a:t>});</a:t>
+            </a:r>
+          </a:p>
+        </p:txBody>
+      </p:sp>
+    </p:spTree>
+    <p:extLst>
+      <p:ext uri="{BB962C8B-B14F-4D97-AF65-F5344CB8AC3E}">
+        <p14:creationId xmlns:p14="http://schemas.microsoft.com/office/powerpoint/2010/main" val="164932472"/>
+      </p:ext>
+    </p:extLst>
   </p:cSld>
   <p:clrMapOvr>
     <a:masterClrMapping/>
@@ -4002,6 +4930,255 @@
     <p:extLst>
       <p:ext uri="{BB962C8B-B14F-4D97-AF65-F5344CB8AC3E}">
         <p14:creationId xmlns:p14="http://schemas.microsoft.com/office/powerpoint/2010/main" val="1224456612"/>
+      </p:ext>
+    </p:extLst>
+  </p:cSld>
+  <p:clrMapOvr>
+    <a:masterClrMapping/>
+  </p:clrMapOvr>
+</p:sld>
+</file>
+
+<file path=ppt/slides/slide20.xml><?xml version="1.0" encoding="utf-8"?>
+<p:sld xmlns:a="http://schemas.openxmlformats.org/drawingml/2006/main" xmlns:r="http://schemas.openxmlformats.org/officeDocument/2006/relationships" xmlns:p="http://schemas.openxmlformats.org/presentationml/2006/main">
+  <p:cSld>
+    <p:spTree>
+      <p:nvGrpSpPr>
+        <p:cNvPr id="1" name=""/>
+        <p:cNvGrpSpPr/>
+        <p:nvPr/>
+      </p:nvGrpSpPr>
+      <p:grpSpPr>
+        <a:xfrm>
+          <a:off x="0" y="0"/>
+          <a:ext cx="0" cy="0"/>
+          <a:chOff x="0" y="0"/>
+          <a:chExt cx="0" cy="0"/>
+        </a:xfrm>
+      </p:grpSpPr>
+      <p:sp>
+        <p:nvSpPr>
+          <p:cNvPr id="2" name="Title 1"/>
+          <p:cNvSpPr>
+            <a:spLocks noGrp="1"/>
+          </p:cNvSpPr>
+          <p:nvPr>
+            <p:ph type="title"/>
+          </p:nvPr>
+        </p:nvSpPr>
+        <p:spPr/>
+        <p:txBody>
+          <a:bodyPr/>
+          <a:lstStyle/>
+          <a:p>
+            <a:r>
+              <a:rPr lang="en-US" dirty="0" err="1" smtClean="0"/>
+              <a:t>ListenWithValueA</a:t>
+            </a:r>
+            <a:endParaRPr lang="en-US" dirty="0"/>
+          </a:p>
+        </p:txBody>
+      </p:sp>
+      <p:sp>
+        <p:nvSpPr>
+          <p:cNvPr id="3" name="Content Placeholder 2"/>
+          <p:cNvSpPr>
+            <a:spLocks noGrp="1"/>
+          </p:cNvSpPr>
+          <p:nvPr>
+            <p:ph idx="1"/>
+          </p:nvPr>
+        </p:nvSpPr>
+        <p:spPr/>
+        <p:txBody>
+          <a:bodyPr/>
+          <a:lstStyle/>
+          <a:p>
+            <a:r>
+              <a:rPr lang="en-US" dirty="0" smtClean="0"/>
+              <a:t>Tuple-Aware</a:t>
+            </a:r>
+          </a:p>
+          <a:p>
+            <a:r>
+              <a:rPr lang="en-US" dirty="0" smtClean="0"/>
+              <a:t>“Knows” that event emitter is first in the Pair</a:t>
+            </a:r>
+          </a:p>
+          <a:p>
+            <a:endParaRPr lang="en-US" dirty="0" smtClean="0"/>
+          </a:p>
+        </p:txBody>
+      </p:sp>
+    </p:spTree>
+    <p:extLst>
+      <p:ext uri="{BB962C8B-B14F-4D97-AF65-F5344CB8AC3E}">
+        <p14:creationId xmlns:p14="http://schemas.microsoft.com/office/powerpoint/2010/main" val="1684495297"/>
+      </p:ext>
+    </p:extLst>
+  </p:cSld>
+  <p:clrMapOvr>
+    <a:masterClrMapping/>
+  </p:clrMapOvr>
+</p:sld>
+</file>
+
+<file path=ppt/slides/slide21.xml><?xml version="1.0" encoding="utf-8"?>
+<p:sld xmlns:a="http://schemas.openxmlformats.org/drawingml/2006/main" xmlns:r="http://schemas.openxmlformats.org/officeDocument/2006/relationships" xmlns:p="http://schemas.openxmlformats.org/presentationml/2006/main">
+  <p:cSld>
+    <p:spTree>
+      <p:nvGrpSpPr>
+        <p:cNvPr id="1" name=""/>
+        <p:cNvGrpSpPr/>
+        <p:nvPr/>
+      </p:nvGrpSpPr>
+      <p:grpSpPr>
+        <a:xfrm>
+          <a:off x="0" y="0"/>
+          <a:ext cx="0" cy="0"/>
+          <a:chOff x="0" y="0"/>
+          <a:chExt cx="0" cy="0"/>
+        </a:xfrm>
+      </p:grpSpPr>
+      <p:sp>
+        <p:nvSpPr>
+          <p:cNvPr id="2" name="Title 1"/>
+          <p:cNvSpPr>
+            <a:spLocks noGrp="1"/>
+          </p:cNvSpPr>
+          <p:nvPr>
+            <p:ph type="title"/>
+          </p:nvPr>
+        </p:nvSpPr>
+        <p:spPr/>
+        <p:txBody>
+          <a:bodyPr/>
+          <a:lstStyle/>
+          <a:p>
+            <a:r>
+              <a:rPr lang="en-US" dirty="0" smtClean="0"/>
+              <a:t>Finally…Let’s Dive In</a:t>
+            </a:r>
+            <a:endParaRPr lang="en-US" dirty="0"/>
+          </a:p>
+        </p:txBody>
+      </p:sp>
+      <p:sp>
+        <p:nvSpPr>
+          <p:cNvPr id="3" name="Content Placeholder 2"/>
+          <p:cNvSpPr>
+            <a:spLocks noGrp="1"/>
+          </p:cNvSpPr>
+          <p:nvPr>
+            <p:ph idx="1"/>
+          </p:nvPr>
+        </p:nvSpPr>
+        <p:spPr/>
+        <p:txBody>
+          <a:bodyPr/>
+          <a:lstStyle/>
+          <a:p>
+            <a:r>
+              <a:rPr lang="en-US" dirty="0" smtClean="0"/>
+              <a:t>Examples of using </a:t>
+            </a:r>
+            <a:r>
+              <a:rPr lang="en-US" dirty="0" err="1" smtClean="0"/>
+              <a:t>Arrowlets</a:t>
+            </a:r>
+            <a:endParaRPr lang="en-US" dirty="0"/>
+          </a:p>
+        </p:txBody>
+      </p:sp>
+    </p:spTree>
+    <p:extLst>
+      <p:ext uri="{BB962C8B-B14F-4D97-AF65-F5344CB8AC3E}">
+        <p14:creationId xmlns:p14="http://schemas.microsoft.com/office/powerpoint/2010/main" val="3898946639"/>
+      </p:ext>
+    </p:extLst>
+  </p:cSld>
+  <p:clrMapOvr>
+    <a:masterClrMapping/>
+  </p:clrMapOvr>
+</p:sld>
+</file>
+
+<file path=ppt/slides/slide22.xml><?xml version="1.0" encoding="utf-8"?>
+<p:sld xmlns:a="http://schemas.openxmlformats.org/drawingml/2006/main" xmlns:r="http://schemas.openxmlformats.org/officeDocument/2006/relationships" xmlns:p="http://schemas.openxmlformats.org/presentationml/2006/main">
+  <p:cSld>
+    <p:spTree>
+      <p:nvGrpSpPr>
+        <p:cNvPr id="1" name=""/>
+        <p:cNvGrpSpPr/>
+        <p:nvPr/>
+      </p:nvGrpSpPr>
+      <p:grpSpPr>
+        <a:xfrm>
+          <a:off x="0" y="0"/>
+          <a:ext cx="0" cy="0"/>
+          <a:chOff x="0" y="0"/>
+          <a:chExt cx="0" cy="0"/>
+        </a:xfrm>
+      </p:grpSpPr>
+      <p:sp>
+        <p:nvSpPr>
+          <p:cNvPr id="2" name="Title 1"/>
+          <p:cNvSpPr>
+            <a:spLocks noGrp="1"/>
+          </p:cNvSpPr>
+          <p:nvPr>
+            <p:ph type="title"/>
+          </p:nvPr>
+        </p:nvSpPr>
+        <p:spPr/>
+        <p:txBody>
+          <a:bodyPr/>
+          <a:lstStyle/>
+          <a:p>
+            <a:r>
+              <a:rPr lang="en-US" dirty="0" smtClean="0"/>
+              <a:t>And…we’re out!</a:t>
+            </a:r>
+            <a:endParaRPr lang="en-US" dirty="0"/>
+          </a:p>
+        </p:txBody>
+      </p:sp>
+      <p:sp>
+        <p:nvSpPr>
+          <p:cNvPr id="3" name="Content Placeholder 2"/>
+          <p:cNvSpPr>
+            <a:spLocks noGrp="1"/>
+          </p:cNvSpPr>
+          <p:nvPr>
+            <p:ph idx="1"/>
+          </p:nvPr>
+        </p:nvSpPr>
+        <p:spPr/>
+        <p:txBody>
+          <a:bodyPr/>
+          <a:lstStyle/>
+          <a:p>
+            <a:r>
+              <a:rPr lang="en-US" dirty="0" smtClean="0"/>
+              <a:t>All code in this presentation and the slides are in a public repository at: </a:t>
+            </a:r>
+            <a:r>
+              <a:rPr lang="en-US" dirty="0">
+                <a:hlinkClick r:id="rId2"/>
+              </a:rPr>
+              <a:t>https://github.com/enright/arrowlets</a:t>
+            </a:r>
+            <a:endParaRPr lang="en-US" dirty="0"/>
+          </a:p>
+          <a:p>
+            <a:endParaRPr lang="en-US" dirty="0"/>
+          </a:p>
+        </p:txBody>
+      </p:sp>
+    </p:spTree>
+    <p:extLst>
+      <p:ext uri="{BB962C8B-B14F-4D97-AF65-F5344CB8AC3E}">
+        <p14:creationId xmlns:p14="http://schemas.microsoft.com/office/powerpoint/2010/main" val="137059622"/>
       </p:ext>
     </p:extLst>
   </p:cSld>
@@ -4476,11 +5653,7 @@
             </a:pPr>
             <a:r>
               <a:rPr lang="en-US" sz="2800" dirty="0" smtClean="0"/>
-              <a:t>// </a:t>
-            </a:r>
-            <a:r>
-              <a:rPr lang="en-US" sz="2800" smtClean="0"/>
-              <a:t>a sound</a:t>
+              <a:t>// a sound</a:t>
             </a:r>
           </a:p>
           <a:p>
@@ -4488,7 +5661,7 @@
               <a:buNone/>
             </a:pPr>
             <a:r>
-              <a:rPr lang="en-US" sz="2800" smtClean="0"/>
+              <a:rPr lang="en-US" sz="2800" dirty="0" err="1" smtClean="0"/>
               <a:t>socket.on</a:t>
             </a:r>
             <a:r>
@@ -4652,11 +5825,7 @@
           <a:p>
             <a:r>
               <a:rPr lang="en-US" dirty="0" smtClean="0"/>
-              <a:t>Why </a:t>
-            </a:r>
-            <a:r>
-              <a:rPr lang="en-US" dirty="0" smtClean="0"/>
-              <a:t>an Arrow?</a:t>
+              <a:t>Audio Monad</a:t>
             </a:r>
             <a:endParaRPr lang="en-US" dirty="0"/>
           </a:p>
@@ -4675,51 +5844,98 @@
         <p:spPr/>
         <p:txBody>
           <a:bodyPr>
-            <a:normAutofit fontScale="92500" lnSpcReduction="10000"/>
+            <a:normAutofit fontScale="77500" lnSpcReduction="20000"/>
           </a:bodyPr>
           <a:lstStyle/>
           <a:p>
             <a:r>
+              <a:rPr lang="en-US" dirty="0" err="1" smtClean="0"/>
+              <a:t>addSoundDataURI</a:t>
+            </a:r>
+            <a:endParaRPr lang="en-US" dirty="0" smtClean="0"/>
+          </a:p>
+          <a:p>
+            <a:pPr lvl="1"/>
+            <a:r>
+              <a:rPr lang="en-US" dirty="0" smtClean="0"/>
+              <a:t>Load a sound data URI with a callback</a:t>
+            </a:r>
+          </a:p>
+          <a:p>
+            <a:pPr lvl="1"/>
+            <a:r>
+              <a:rPr lang="en-US" dirty="0" smtClean="0"/>
+              <a:t>Code that creates sound buffer from data URI is private ‘in’ the monad</a:t>
+            </a:r>
+          </a:p>
+          <a:p>
+            <a:r>
+              <a:rPr lang="en-US" dirty="0" err="1" smtClean="0"/>
+              <a:t>masterGain</a:t>
+            </a:r>
+            <a:endParaRPr lang="en-US" dirty="0" smtClean="0"/>
+          </a:p>
+          <a:p>
+            <a:pPr lvl="1"/>
+            <a:r>
+              <a:rPr lang="en-US" dirty="0" smtClean="0"/>
+              <a:t>Set the volume level of the playback</a:t>
+            </a:r>
+          </a:p>
+          <a:p>
+            <a:r>
               <a:rPr lang="en-US" dirty="0"/>
-              <a:t>T</a:t>
-            </a:r>
-            <a:r>
-              <a:rPr lang="en-US" dirty="0" smtClean="0"/>
-              <a:t>he monadic interface </a:t>
-            </a:r>
+              <a:t>p</a:t>
+            </a:r>
+            <a:r>
+              <a:rPr lang="en-US" dirty="0" smtClean="0"/>
+              <a:t>lay</a:t>
+            </a:r>
+          </a:p>
+          <a:p>
+            <a:pPr lvl="1"/>
+            <a:r>
+              <a:rPr lang="en-US" dirty="0" smtClean="0"/>
+              <a:t>Duh</a:t>
+            </a:r>
+          </a:p>
+          <a:p>
             <a:r>
               <a:rPr lang="en-US" dirty="0" err="1" smtClean="0"/>
-              <a:t>suﬀers</a:t>
-            </a:r>
-            <a:r>
-              <a:rPr lang="en-US" dirty="0" smtClean="0"/>
-              <a:t> a rather severe restriction. While a monadic program can produce its output in many </a:t>
-            </a:r>
+              <a:t>getAudioBuffers</a:t>
+            </a:r>
+            <a:endParaRPr lang="en-US" dirty="0" smtClean="0"/>
+          </a:p>
+          <a:p>
+            <a:pPr lvl="1"/>
+            <a:r>
+              <a:rPr lang="en-US" dirty="0" smtClean="0"/>
+              <a:t>Does NOT return a monad!</a:t>
+            </a:r>
+          </a:p>
+          <a:p>
             <a:r>
               <a:rPr lang="en-US" dirty="0" err="1" smtClean="0"/>
-              <a:t>diﬀerent</a:t>
-            </a:r>
-            <a:r>
-              <a:rPr lang="en-US" dirty="0" smtClean="0"/>
-              <a:t> ways — perhaps not at all (the Maybe monad) […]— it takes its input in just one way: via the parameters of a function.</a:t>
-            </a:r>
-          </a:p>
-          <a:p>
-            <a:r>
-              <a:rPr lang="en-US" dirty="0" smtClean="0"/>
-              <a:t>-Hughes, John, “Programming with Arrows”</a:t>
-            </a:r>
-          </a:p>
-          <a:p>
-            <a:r>
-              <a:rPr lang="en-US" dirty="0" smtClean="0"/>
-              <a:t>Let’s avoid passing state to functions (to simplify our functions) and let the arrows move the state around.</a:t>
+              <a:t>setAudioBuffers</a:t>
+            </a:r>
+            <a:endParaRPr lang="en-US" dirty="0" smtClean="0"/>
+          </a:p>
+          <a:p>
+            <a:pPr lvl="1"/>
+            <a:r>
+              <a:rPr lang="en-US" dirty="0" smtClean="0"/>
+              <a:t>DOES return a monad!</a:t>
             </a:r>
             <a:endParaRPr lang="en-US" dirty="0"/>
           </a:p>
         </p:txBody>
       </p:sp>
     </p:spTree>
+    <p:extLst>
+      <p:ext uri="{BB962C8B-B14F-4D97-AF65-F5344CB8AC3E}">
+        <p14:creationId xmlns:p14="http://schemas.microsoft.com/office/powerpoint/2010/main" val="1553594277"/>
+      </p:ext>
+    </p:extLst>
   </p:cSld>
   <p:clrMapOvr>
     <a:masterClrMapping/>
@@ -4761,7 +5977,15 @@
           <a:p>
             <a:r>
               <a:rPr lang="en-US" dirty="0" smtClean="0"/>
-              <a:t>Why arrows?</a:t>
+              <a:t>Lift or </a:t>
+            </a:r>
+            <a:r>
+              <a:rPr lang="en-US" dirty="0" err="1" smtClean="0"/>
+              <a:t>Lift_value</a:t>
+            </a:r>
+            <a:r>
+              <a:rPr lang="en-US" dirty="0" smtClean="0"/>
+              <a:t>?</a:t>
             </a:r>
             <a:endParaRPr lang="en-US" dirty="0"/>
           </a:p>
@@ -4780,62 +6004,239 @@
         <p:spPr/>
         <p:txBody>
           <a:bodyPr>
-            <a:normAutofit fontScale="92500" lnSpcReduction="20000"/>
+            <a:normAutofit/>
           </a:bodyPr>
           <a:lstStyle/>
           <a:p>
-            <a:r>
-              <a:rPr lang="en-US" dirty="0" smtClean="0"/>
-              <a:t>Arrows thus </a:t>
-            </a:r>
-            <a:r>
-              <a:rPr lang="en-US" dirty="0" err="1" smtClean="0"/>
-              <a:t>oﬀer</a:t>
-            </a:r>
-            <a:r>
-              <a:rPr lang="en-US" dirty="0" smtClean="0"/>
-              <a:t> a competing way to represent computations in Haskell.</a:t>
-            </a:r>
-            <a:r>
-              <a:rPr lang="en-US" dirty="0"/>
+            <a:pPr marL="0" indent="0">
+              <a:buNone/>
+            </a:pPr>
+            <a:r>
+              <a:rPr lang="en-US" sz="2000" dirty="0"/>
+              <a:t>	// </a:t>
+            </a:r>
+            <a:r>
+              <a:rPr lang="en-US" sz="2000" dirty="0" err="1"/>
+              <a:t>getAudioBuffers</a:t>
+            </a:r>
+            <a:r>
+              <a:rPr lang="en-US" sz="2000" dirty="0"/>
+              <a:t> - get the available audio buffers</a:t>
+            </a:r>
+          </a:p>
+          <a:p>
+            <a:pPr marL="0" indent="0">
+              <a:buNone/>
+            </a:pPr>
+            <a:r>
+              <a:rPr lang="en-US" sz="2000" dirty="0"/>
+              <a:t>	// note '</a:t>
+            </a:r>
+            <a:r>
+              <a:rPr lang="en-US" sz="2000" dirty="0" err="1"/>
+              <a:t>lift_value</a:t>
+            </a:r>
+            <a:r>
+              <a:rPr lang="en-US" sz="2000" dirty="0"/>
+              <a:t>' - does not return a monad</a:t>
+            </a:r>
+          </a:p>
+          <a:p>
+            <a:pPr marL="0" indent="0">
+              <a:buNone/>
+            </a:pPr>
+            <a:r>
+              <a:rPr lang="en-US" sz="2000" dirty="0"/>
+              <a:t>	</a:t>
+            </a:r>
+            <a:r>
+              <a:rPr lang="en-US" sz="2000" dirty="0" err="1"/>
+              <a:t>audioMonad.</a:t>
+            </a:r>
+            <a:r>
+              <a:rPr lang="en-US" sz="2000" b="1" dirty="0" err="1"/>
+              <a:t>lift_value</a:t>
+            </a:r>
+            <a:r>
+              <a:rPr lang="en-US" sz="2000" dirty="0"/>
+              <a:t>('</a:t>
+            </a:r>
+            <a:r>
+              <a:rPr lang="en-US" sz="2000" dirty="0" err="1"/>
+              <a:t>getAudioBuffers</a:t>
+            </a:r>
+            <a:r>
+              <a:rPr lang="en-US" sz="2000" dirty="0"/>
+              <a:t>', function (value) {</a:t>
+            </a:r>
+          </a:p>
+          <a:p>
+            <a:pPr marL="0" indent="0">
+              <a:buNone/>
+            </a:pPr>
+            <a:r>
+              <a:rPr lang="en-US" sz="2000" dirty="0"/>
+              <a:t>		// get the buffers</a:t>
+            </a:r>
+          </a:p>
+          <a:p>
+            <a:pPr marL="0" indent="0">
+              <a:buNone/>
+            </a:pPr>
+            <a:r>
+              <a:rPr lang="en-US" sz="2000" dirty="0"/>
+              <a:t>		return </a:t>
+            </a:r>
+            <a:r>
+              <a:rPr lang="en-US" sz="2000" dirty="0" err="1"/>
+              <a:t>value.audioBuffers</a:t>
+            </a:r>
+            <a:r>
+              <a:rPr lang="en-US" sz="2000" dirty="0"/>
+              <a:t>;</a:t>
+            </a:r>
+          </a:p>
+          <a:p>
+            <a:pPr marL="0" indent="0">
+              <a:buNone/>
+            </a:pPr>
+            <a:r>
+              <a:rPr lang="en-US" sz="2000" dirty="0"/>
+              <a:t>	});</a:t>
+            </a:r>
+          </a:p>
+          <a:p>
+            <a:pPr marL="0" indent="0">
+              <a:buNone/>
+            </a:pPr>
+            <a:r>
+              <a:rPr lang="en-US" sz="2000" dirty="0"/>
+              <a:t>	// </a:t>
+            </a:r>
+            <a:r>
+              <a:rPr lang="en-US" sz="2000" dirty="0" err="1"/>
+              <a:t>setAudioBuffers</a:t>
+            </a:r>
+            <a:r>
+              <a:rPr lang="en-US" sz="2000" dirty="0"/>
+              <a:t> - set the available audio buffers</a:t>
+            </a:r>
+          </a:p>
+          <a:p>
+            <a:pPr marL="0" indent="0">
+              <a:buNone/>
+            </a:pPr>
+            <a:r>
+              <a:rPr lang="en-US" sz="2000" dirty="0"/>
+              <a:t>	// copy the references into a new object</a:t>
+            </a:r>
+          </a:p>
+          <a:p>
+            <a:pPr marL="0" indent="0">
+              <a:buNone/>
+            </a:pPr>
+            <a:r>
+              <a:rPr lang="en-US" sz="2000" dirty="0"/>
+              <a:t>	</a:t>
+            </a:r>
+            <a:r>
+              <a:rPr lang="en-US" sz="2000" dirty="0" err="1"/>
+              <a:t>audioMonad.</a:t>
+            </a:r>
+            <a:r>
+              <a:rPr lang="en-US" sz="2000" b="1" dirty="0" err="1"/>
+              <a:t>lift</a:t>
+            </a:r>
+            <a:r>
+              <a:rPr lang="en-US" sz="2000" dirty="0"/>
+              <a:t>('</a:t>
+            </a:r>
+            <a:r>
+              <a:rPr lang="en-US" sz="2000" dirty="0" err="1"/>
+              <a:t>setAudioBuffers</a:t>
+            </a:r>
+            <a:r>
+              <a:rPr lang="en-US" sz="2000" dirty="0"/>
+              <a:t>', function (value, buffers) {</a:t>
+            </a:r>
+          </a:p>
+          <a:p>
+            <a:pPr marL="0" indent="0">
+              <a:buNone/>
+            </a:pPr>
+            <a:r>
+              <a:rPr lang="en-US" sz="2000" dirty="0"/>
+              <a:t>		</a:t>
+            </a:r>
+            <a:r>
+              <a:rPr lang="en-US" sz="2000" dirty="0" err="1"/>
+              <a:t>var</a:t>
+            </a:r>
+            <a:r>
+              <a:rPr lang="en-US" sz="2000" dirty="0"/>
               <a:t> </a:t>
             </a:r>
             <a:r>
-              <a:rPr lang="en-US" dirty="0" smtClean="0"/>
-              <a:t>But their purpose is not to replace monads, it is to bring the </a:t>
-            </a:r>
-            <a:r>
-              <a:rPr lang="en-US" dirty="0" err="1" smtClean="0"/>
-              <a:t>beneﬁts</a:t>
-            </a:r>
-            <a:r>
-              <a:rPr lang="en-US" dirty="0" smtClean="0"/>
-              <a:t> of a shared interface […] to a wider class of computations than monads can </a:t>
-            </a:r>
-            <a:r>
-              <a:rPr lang="en-US" dirty="0" err="1" smtClean="0"/>
-              <a:t>accomodate</a:t>
-            </a:r>
-            <a:r>
-              <a:rPr lang="en-US" dirty="0" smtClean="0"/>
-              <a:t>. And in practice, </a:t>
-            </a:r>
-            <a:r>
-              <a:rPr lang="en-US" i="1" dirty="0" smtClean="0"/>
-              <a:t>this often means computations that represent processes.</a:t>
-            </a:r>
-            <a:endParaRPr lang="en-US" dirty="0" smtClean="0"/>
-          </a:p>
-          <a:p>
-            <a:r>
-              <a:rPr lang="en-US" dirty="0" smtClean="0"/>
-              <a:t>Games have state machines, which represent processes. Is there a good match between Arrow composition and simplifying the construction of state machines?</a:t>
-            </a:r>
+              <a:rPr lang="en-US" sz="2000" b="1" dirty="0" err="1"/>
+              <a:t>copyBuffers</a:t>
+            </a:r>
+            <a:r>
+              <a:rPr lang="en-US" sz="2000" b="1" dirty="0"/>
+              <a:t> = {}</a:t>
+            </a:r>
+            <a:r>
+              <a:rPr lang="en-US" sz="2000" dirty="0"/>
+              <a:t>,</a:t>
+            </a:r>
+          </a:p>
+          <a:p>
+            <a:pPr marL="0" indent="0">
+              <a:buNone/>
+            </a:pPr>
+            <a:r>
+              <a:rPr lang="en-US" sz="2000" dirty="0"/>
+              <a:t>			</a:t>
+            </a:r>
+            <a:r>
+              <a:rPr lang="en-US" sz="2000" dirty="0" err="1"/>
+              <a:t>i</a:t>
+            </a:r>
+            <a:r>
+              <a:rPr lang="en-US" sz="2000" dirty="0"/>
+              <a:t>,</a:t>
+            </a:r>
+          </a:p>
+          <a:p>
+            <a:pPr marL="0" indent="0">
+              <a:buNone/>
+            </a:pPr>
+            <a:r>
+              <a:rPr lang="en-US" sz="2000" dirty="0"/>
+              <a:t>			</a:t>
+            </a:r>
+            <a:r>
+              <a:rPr lang="en-US" sz="2000" dirty="0" err="1"/>
+              <a:t>numBuffersInId</a:t>
+            </a:r>
+            <a:r>
+              <a:rPr lang="en-US" sz="2000" dirty="0"/>
+              <a:t>;</a:t>
+            </a:r>
+          </a:p>
+          <a:p>
+            <a:pPr marL="0" indent="0">
+              <a:buNone/>
+            </a:pPr>
             <a:endParaRPr lang="en-US" dirty="0"/>
           </a:p>
         </p:txBody>
       </p:sp>
     </p:spTree>
+    <p:extLst>
+      <p:ext uri="{BB962C8B-B14F-4D97-AF65-F5344CB8AC3E}">
+        <p14:creationId xmlns:p14="http://schemas.microsoft.com/office/powerpoint/2010/main" val="1665561587"/>
+      </p:ext>
+    </p:extLst>
   </p:cSld>
   <p:clrMapOvr>
     <a:masterClrMapping/>
@@ -4877,7 +6278,15 @@
           <a:p>
             <a:r>
               <a:rPr lang="en-US" dirty="0" smtClean="0"/>
-              <a:t>Arrows Are</a:t>
+              <a:t>Lift or </a:t>
+            </a:r>
+            <a:r>
+              <a:rPr lang="en-US" dirty="0" err="1" smtClean="0"/>
+              <a:t>Lift_value</a:t>
+            </a:r>
+            <a:r>
+              <a:rPr lang="en-US" dirty="0" smtClean="0"/>
+              <a:t>?</a:t>
             </a:r>
             <a:endParaRPr lang="en-US" dirty="0"/>
           </a:p>
@@ -4896,72 +6305,232 @@
         <p:spPr/>
         <p:txBody>
           <a:bodyPr>
-            <a:normAutofit fontScale="92500" lnSpcReduction="20000"/>
+            <a:normAutofit fontScale="77500" lnSpcReduction="20000"/>
           </a:bodyPr>
           <a:lstStyle/>
           <a:p>
-            <a:r>
-              <a:rPr lang="en-US" dirty="0" smtClean="0"/>
-              <a:t>From and to</a:t>
-            </a:r>
-          </a:p>
-          <a:p>
-            <a:pPr lvl="1"/>
-            <a:r>
-              <a:rPr lang="en-US" dirty="0" smtClean="0"/>
-              <a:t>Unlike monads, arrows are explicit about the form of the input. In </a:t>
-            </a:r>
+            <a:pPr marL="0" indent="0">
+              <a:buNone/>
+            </a:pPr>
+            <a:r>
+              <a:rPr lang="en-US" dirty="0" smtClean="0"/>
+              <a:t>// </a:t>
+            </a:r>
+            <a:r>
+              <a:rPr lang="en-US" dirty="0"/>
+              <a:t>use the audio monad to create buffers from the pre-loaded sound URIs</a:t>
+            </a:r>
+          </a:p>
+          <a:p>
+            <a:pPr marL="0" indent="0">
+              <a:buNone/>
+            </a:pPr>
             <a:r>
               <a:rPr lang="en-US" dirty="0" err="1" smtClean="0"/>
-              <a:t>Javascipt</a:t>
-            </a:r>
-            <a:r>
-              <a:rPr lang="en-US" dirty="0" smtClean="0"/>
-              <a:t>, of course they are not explicit about the </a:t>
-            </a:r>
-            <a:r>
-              <a:rPr lang="en-US" i="1" dirty="0" smtClean="0"/>
-              <a:t>type</a:t>
-            </a:r>
-            <a:r>
-              <a:rPr lang="en-US" dirty="0" smtClean="0"/>
-              <a:t> of the input.</a:t>
-            </a:r>
-          </a:p>
-          <a:p>
-            <a:pPr lvl="1"/>
-            <a:r>
-              <a:rPr lang="en-US" dirty="0" smtClean="0"/>
-              <a:t>You spend </a:t>
-            </a:r>
-            <a:r>
-              <a:rPr lang="en-US" i="1" dirty="0" smtClean="0"/>
-              <a:t>a lot of time thinking about inputs and outputs</a:t>
-            </a:r>
-            <a:r>
-              <a:rPr lang="en-US" dirty="0" smtClean="0"/>
-              <a:t>, because you structure your computations around these aspects of arrows.</a:t>
-            </a:r>
-          </a:p>
-          <a:p>
-            <a:r>
-              <a:rPr lang="en-US" dirty="0" smtClean="0"/>
-              <a:t>Functions	</a:t>
-            </a:r>
-          </a:p>
-          <a:p>
-            <a:pPr lvl="1"/>
-            <a:r>
-              <a:rPr lang="en-US" dirty="0" smtClean="0"/>
-              <a:t>A function is trivially ‘lifted’ into an arrow, which allows us to create specific, focused functions, and use arrows to structure the computations that use those functions.</a:t>
-            </a:r>
-          </a:p>
-          <a:p>
-            <a:endParaRPr lang="en-US" dirty="0"/>
+              <a:t>var</a:t>
+            </a:r>
+            <a:r>
+              <a:rPr lang="en-US" dirty="0" smtClean="0"/>
+              <a:t> </a:t>
+            </a:r>
+            <a:r>
+              <a:rPr lang="en-US" dirty="0" err="1"/>
+              <a:t>loadAudio</a:t>
+            </a:r>
+            <a:r>
+              <a:rPr lang="en-US" dirty="0"/>
+              <a:t> = </a:t>
+            </a:r>
+            <a:r>
+              <a:rPr lang="en-US" dirty="0" err="1"/>
+              <a:t>audioMonad</a:t>
+            </a:r>
+            <a:r>
+              <a:rPr lang="en-US" dirty="0"/>
+              <a:t>();</a:t>
+            </a:r>
+          </a:p>
+          <a:p>
+            <a:pPr marL="0" indent="0">
+              <a:buNone/>
+            </a:pPr>
+            <a:r>
+              <a:rPr lang="en-US" dirty="0" smtClean="0"/>
+              <a:t>for </a:t>
+            </a:r>
+            <a:r>
+              <a:rPr lang="en-US" dirty="0"/>
+              <a:t>(sound in sounds) {</a:t>
+            </a:r>
+          </a:p>
+          <a:p>
+            <a:pPr marL="0" indent="0">
+              <a:buNone/>
+            </a:pPr>
+            <a:r>
+              <a:rPr lang="en-US" dirty="0"/>
+              <a:t>	</a:t>
+            </a:r>
+            <a:r>
+              <a:rPr lang="en-US" dirty="0" smtClean="0"/>
+              <a:t>if </a:t>
+            </a:r>
+            <a:r>
+              <a:rPr lang="en-US" dirty="0"/>
+              <a:t>(</a:t>
+            </a:r>
+            <a:r>
+              <a:rPr lang="en-US" dirty="0" err="1"/>
+              <a:t>sounds.hasOwnProperty</a:t>
+            </a:r>
+            <a:r>
+              <a:rPr lang="en-US" dirty="0"/>
+              <a:t>(sound)) {</a:t>
+            </a:r>
+          </a:p>
+          <a:p>
+            <a:pPr marL="0" indent="0">
+              <a:buNone/>
+            </a:pPr>
+            <a:r>
+              <a:rPr lang="en-US" dirty="0"/>
+              <a:t>		</a:t>
+            </a:r>
+            <a:r>
+              <a:rPr lang="en-US" dirty="0" err="1"/>
+              <a:t>loadAudio.addSoundDataURI</a:t>
+            </a:r>
+            <a:r>
+              <a:rPr lang="en-US" dirty="0"/>
+              <a:t>(sound, sounds[sound]);</a:t>
+            </a:r>
+          </a:p>
+          <a:p>
+            <a:pPr marL="0" indent="0">
+              <a:buNone/>
+            </a:pPr>
+            <a:r>
+              <a:rPr lang="en-US" dirty="0"/>
+              <a:t>	}</a:t>
+            </a:r>
+          </a:p>
+          <a:p>
+            <a:pPr marL="0" indent="0">
+              <a:buNone/>
+            </a:pPr>
+            <a:r>
+              <a:rPr lang="en-US" dirty="0" smtClean="0"/>
+              <a:t>}</a:t>
+            </a:r>
+          </a:p>
+          <a:p>
+            <a:pPr marL="0" indent="0">
+              <a:buNone/>
+            </a:pPr>
+            <a:r>
+              <a:rPr lang="en-US" dirty="0" smtClean="0"/>
+              <a:t>// </a:t>
+            </a:r>
+            <a:r>
+              <a:rPr lang="en-US" dirty="0"/>
+              <a:t>create and play</a:t>
+            </a:r>
+          </a:p>
+          <a:p>
+            <a:pPr marL="0" indent="0">
+              <a:buNone/>
+            </a:pPr>
+            <a:r>
+              <a:rPr lang="en-US" dirty="0" err="1" smtClean="0"/>
+              <a:t>var</a:t>
+            </a:r>
+            <a:r>
+              <a:rPr lang="en-US" dirty="0" smtClean="0"/>
+              <a:t> </a:t>
+            </a:r>
+            <a:r>
+              <a:rPr lang="en-US" dirty="0"/>
+              <a:t>am = </a:t>
+            </a:r>
+            <a:r>
+              <a:rPr lang="en-US" dirty="0" err="1"/>
+              <a:t>audioMonad</a:t>
+            </a:r>
+            <a:r>
+              <a:rPr lang="en-US" dirty="0"/>
+              <a:t>()</a:t>
+            </a:r>
+          </a:p>
+          <a:p>
+            <a:pPr marL="0" indent="0">
+              <a:buNone/>
+            </a:pPr>
+            <a:r>
+              <a:rPr lang="en-US" dirty="0"/>
+              <a:t>		</a:t>
+            </a:r>
+            <a:r>
+              <a:rPr lang="en-US" dirty="0" smtClean="0"/>
+              <a:t>.</a:t>
+            </a:r>
+            <a:r>
+              <a:rPr lang="en-US" dirty="0" err="1"/>
+              <a:t>masterGain</a:t>
+            </a:r>
+            <a:r>
+              <a:rPr lang="en-US" dirty="0"/>
+              <a:t>(</a:t>
+            </a:r>
+            <a:r>
+              <a:rPr lang="en-US" dirty="0" err="1"/>
+              <a:t>sound.gain</a:t>
+            </a:r>
+            <a:r>
+              <a:rPr lang="en-US" dirty="0"/>
+              <a:t>)</a:t>
+            </a:r>
+          </a:p>
+          <a:p>
+            <a:pPr marL="0" indent="0">
+              <a:buNone/>
+            </a:pPr>
+            <a:r>
+              <a:rPr lang="en-US" dirty="0"/>
+              <a:t>		</a:t>
+            </a:r>
+            <a:r>
+              <a:rPr lang="en-US" dirty="0" smtClean="0"/>
+              <a:t>.</a:t>
+            </a:r>
+            <a:r>
+              <a:rPr lang="en-US" b="1" dirty="0" err="1"/>
+              <a:t>setAudioBuffers</a:t>
+            </a:r>
+            <a:r>
+              <a:rPr lang="en-US" dirty="0"/>
+              <a:t>(</a:t>
+            </a:r>
+            <a:r>
+              <a:rPr lang="en-US" dirty="0" err="1"/>
+              <a:t>loadAudio.</a:t>
+            </a:r>
+            <a:r>
+              <a:rPr lang="en-US" b="1" dirty="0" err="1"/>
+              <a:t>getAudioBuffers</a:t>
+            </a:r>
+            <a:r>
+              <a:rPr lang="en-US" dirty="0"/>
+              <a:t>())</a:t>
+            </a:r>
           </a:p>
         </p:txBody>
       </p:sp>
     </p:spTree>
+    <p:extLst>
+      <p:ext uri="{BB962C8B-B14F-4D97-AF65-F5344CB8AC3E}">
+        <p14:creationId xmlns:p14="http://schemas.microsoft.com/office/powerpoint/2010/main" val="618168262"/>
+      </p:ext>
+    </p:extLst>
   </p:cSld>
   <p:clrMapOvr>
     <a:masterClrMapping/>
